--- a/PROJET EXIASAVER.pptx
+++ b/PROJET EXIASAVER.pptx
@@ -9,8 +9,11 @@
     <p:sldId id="259" r:id="rId3"/>
     <p:sldId id="260" r:id="rId4"/>
     <p:sldId id="262" r:id="rId5"/>
-    <p:sldId id="263" r:id="rId6"/>
-    <p:sldId id="264" r:id="rId7"/>
+    <p:sldId id="264" r:id="rId6"/>
+    <p:sldId id="263" r:id="rId7"/>
+    <p:sldId id="265" r:id="rId8"/>
+    <p:sldId id="267" r:id="rId9"/>
+    <p:sldId id="268" r:id="rId10"/>
   </p:sldIdLst>
   <p:sldSz cx="12192000" cy="6858000"/>
   <p:notesSz cx="6858000" cy="9144000"/>
@@ -109,6 +112,11 @@
       </a:defRPr>
     </a:lvl9pPr>
   </p:defaultTextStyle>
+  <p:extLst>
+    <p:ext uri="{EFAFB233-063F-42B5-8137-9DF3F51BA10A}">
+      <p15:sldGuideLst xmlns:p15="http://schemas.microsoft.com/office/powerpoint/2012/main"/>
+    </p:ext>
+  </p:extLst>
 </p:presentation>
 </file>
 
@@ -694,7 +702,7 @@
           </a:lstStyle>
           <a:p>
             <a:r>
-              <a:rPr lang="fr-FR" smtClean="0"/>
+              <a:rPr lang="fr-FR"/>
               <a:t>Modifiez le style du titre</a:t>
             </a:r>
             <a:endParaRPr lang="en-US" dirty="0"/>
@@ -814,7 +822,7 @@
           </a:lstStyle>
           <a:p>
             <a:r>
-              <a:rPr lang="fr-FR" smtClean="0"/>
+              <a:rPr lang="fr-FR"/>
               <a:t>Modifier le style des sous-titres du masque</a:t>
             </a:r>
             <a:endParaRPr lang="en-US" dirty="0"/>
@@ -898,13 +906,13 @@
   <p:clrMapOvr>
     <a:masterClrMapping/>
   </p:clrMapOvr>
-  <mc:AlternateContent xmlns:mc="http://schemas.openxmlformats.org/markup-compatibility/2006">
-    <mc:Choice xmlns:p14="http://schemas.microsoft.com/office/powerpoint/2010/main" Requires="p14">
+  <mc:AlternateContent xmlns:mc="http://schemas.openxmlformats.org/markup-compatibility/2006" xmlns:p14="http://schemas.microsoft.com/office/powerpoint/2010/main">
+    <mc:Choice Requires="p14">
       <p:transition p14:dur="250">
         <p:fade/>
       </p:transition>
     </mc:Choice>
-    <mc:Fallback>
+    <mc:Fallback xmlns="">
       <p:transition>
         <p:fade/>
       </p:transition>
@@ -957,7 +965,7 @@
           </a:lstStyle>
           <a:p>
             <a:r>
-              <a:rPr lang="fr-FR" smtClean="0"/>
+              <a:rPr lang="fr-FR"/>
               <a:t>Modifiez le style du titre</a:t>
             </a:r>
             <a:endParaRPr lang="en-US" dirty="0"/>
@@ -1080,7 +1088,7 @@
           <a:p>
             <a:pPr lvl="0"/>
             <a:r>
-              <a:rPr lang="fr-FR" smtClean="0"/>
+              <a:rPr lang="fr-FR"/>
               <a:t>Modifier les styles du texte du masque</a:t>
             </a:r>
           </a:p>
@@ -1163,13 +1171,13 @@
   <p:clrMapOvr>
     <a:masterClrMapping/>
   </p:clrMapOvr>
-  <mc:AlternateContent xmlns:mc="http://schemas.openxmlformats.org/markup-compatibility/2006">
-    <mc:Choice xmlns:p14="http://schemas.microsoft.com/office/powerpoint/2010/main" Requires="p14">
+  <mc:AlternateContent xmlns:mc="http://schemas.openxmlformats.org/markup-compatibility/2006" xmlns:p14="http://schemas.microsoft.com/office/powerpoint/2010/main">
+    <mc:Choice Requires="p14">
       <p:transition p14:dur="250">
         <p:fade/>
       </p:transition>
     </mc:Choice>
-    <mc:Fallback>
+    <mc:Fallback xmlns="">
       <p:transition>
         <p:fade/>
       </p:transition>
@@ -1222,7 +1230,7 @@
           </a:lstStyle>
           <a:p>
             <a:r>
-              <a:rPr lang="fr-FR" smtClean="0"/>
+              <a:rPr lang="fr-FR"/>
               <a:t>Modifiez le style du titre</a:t>
             </a:r>
             <a:endParaRPr lang="en-US" dirty="0"/>
@@ -1286,7 +1294,7 @@
           <a:p>
             <a:pPr lvl="0"/>
             <a:r>
-              <a:rPr lang="fr-FR" smtClean="0"/>
+              <a:rPr lang="fr-FR"/>
               <a:t>Modifier les styles du texte du masque</a:t>
             </a:r>
           </a:p>
@@ -1408,7 +1416,7 @@
           <a:p>
             <a:pPr lvl="0"/>
             <a:r>
-              <a:rPr lang="fr-FR" smtClean="0"/>
+              <a:rPr lang="fr-FR"/>
               <a:t>Modifier les styles du texte du masque</a:t>
             </a:r>
           </a:p>
@@ -1567,13 +1575,13 @@
   <p:clrMapOvr>
     <a:masterClrMapping/>
   </p:clrMapOvr>
-  <mc:AlternateContent xmlns:mc="http://schemas.openxmlformats.org/markup-compatibility/2006">
-    <mc:Choice xmlns:p14="http://schemas.microsoft.com/office/powerpoint/2010/main" Requires="p14">
+  <mc:AlternateContent xmlns:mc="http://schemas.openxmlformats.org/markup-compatibility/2006" xmlns:p14="http://schemas.microsoft.com/office/powerpoint/2010/main">
+    <mc:Choice Requires="p14">
       <p:transition p14:dur="250">
         <p:fade/>
       </p:transition>
     </mc:Choice>
-    <mc:Fallback>
+    <mc:Fallback xmlns="">
       <p:transition>
         <p:fade/>
       </p:transition>
@@ -1626,7 +1634,7 @@
           </a:lstStyle>
           <a:p>
             <a:r>
-              <a:rPr lang="fr-FR" smtClean="0"/>
+              <a:rPr lang="fr-FR"/>
               <a:t>Modifiez le style du titre</a:t>
             </a:r>
             <a:endParaRPr lang="en-US" dirty="0"/>
@@ -1749,7 +1757,7 @@
           <a:p>
             <a:pPr lvl="0"/>
             <a:r>
-              <a:rPr lang="fr-FR" smtClean="0"/>
+              <a:rPr lang="fr-FR"/>
               <a:t>Modifier les styles du texte du masque</a:t>
             </a:r>
           </a:p>
@@ -1832,13 +1840,13 @@
   <p:clrMapOvr>
     <a:masterClrMapping/>
   </p:clrMapOvr>
-  <mc:AlternateContent xmlns:mc="http://schemas.openxmlformats.org/markup-compatibility/2006">
-    <mc:Choice xmlns:p14="http://schemas.microsoft.com/office/powerpoint/2010/main" Requires="p14">
+  <mc:AlternateContent xmlns:mc="http://schemas.openxmlformats.org/markup-compatibility/2006" xmlns:p14="http://schemas.microsoft.com/office/powerpoint/2010/main">
+    <mc:Choice Requires="p14">
       <p:transition p14:dur="250">
         <p:fade/>
       </p:transition>
     </mc:Choice>
-    <mc:Fallback>
+    <mc:Fallback xmlns="">
       <p:transition>
         <p:fade/>
       </p:transition>
@@ -1891,7 +1899,7 @@
           </a:lstStyle>
           <a:p>
             <a:r>
-              <a:rPr lang="fr-FR" smtClean="0"/>
+              <a:rPr lang="fr-FR"/>
               <a:t>Modifiez le style du titre</a:t>
             </a:r>
             <a:endParaRPr lang="en-US" dirty="0"/>
@@ -1955,7 +1963,7 @@
           <a:p>
             <a:pPr lvl="0"/>
             <a:r>
-              <a:rPr lang="fr-FR" smtClean="0"/>
+              <a:rPr lang="fr-FR"/>
               <a:t>Modifier les styles du texte du masque</a:t>
             </a:r>
           </a:p>
@@ -2077,7 +2085,7 @@
           <a:p>
             <a:pPr lvl="0"/>
             <a:r>
-              <a:rPr lang="fr-FR" smtClean="0"/>
+              <a:rPr lang="fr-FR"/>
               <a:t>Modifier les styles du texte du masque</a:t>
             </a:r>
           </a:p>
@@ -2236,13 +2244,13 @@
   <p:clrMapOvr>
     <a:masterClrMapping/>
   </p:clrMapOvr>
-  <mc:AlternateContent xmlns:mc="http://schemas.openxmlformats.org/markup-compatibility/2006">
-    <mc:Choice xmlns:p14="http://schemas.microsoft.com/office/powerpoint/2010/main" Requires="p14">
+  <mc:AlternateContent xmlns:mc="http://schemas.openxmlformats.org/markup-compatibility/2006" xmlns:p14="http://schemas.microsoft.com/office/powerpoint/2010/main">
+    <mc:Choice Requires="p14">
       <p:transition p14:dur="250">
         <p:fade/>
       </p:transition>
     </mc:Choice>
-    <mc:Fallback>
+    <mc:Fallback xmlns="">
       <p:transition>
         <p:fade/>
       </p:transition>
@@ -2295,7 +2303,7 @@
           </a:lstStyle>
           <a:p>
             <a:r>
-              <a:rPr lang="fr-FR" smtClean="0"/>
+              <a:rPr lang="fr-FR"/>
               <a:t>Modifiez le style du titre</a:t>
             </a:r>
             <a:endParaRPr lang="en-US" dirty="0"/>
@@ -2356,7 +2364,7 @@
           <a:p>
             <a:pPr lvl="0"/>
             <a:r>
-              <a:rPr lang="fr-FR" smtClean="0"/>
+              <a:rPr lang="fr-FR"/>
               <a:t>Modifier les styles du texte du masque</a:t>
             </a:r>
           </a:p>
@@ -2478,7 +2486,7 @@
           <a:p>
             <a:pPr lvl="0"/>
             <a:r>
-              <a:rPr lang="fr-FR" smtClean="0"/>
+              <a:rPr lang="fr-FR"/>
               <a:t>Modifier les styles du texte du masque</a:t>
             </a:r>
           </a:p>
@@ -2561,13 +2569,13 @@
   <p:clrMapOvr>
     <a:masterClrMapping/>
   </p:clrMapOvr>
-  <mc:AlternateContent xmlns:mc="http://schemas.openxmlformats.org/markup-compatibility/2006">
-    <mc:Choice xmlns:p14="http://schemas.microsoft.com/office/powerpoint/2010/main" Requires="p14">
+  <mc:AlternateContent xmlns:mc="http://schemas.openxmlformats.org/markup-compatibility/2006" xmlns:p14="http://schemas.microsoft.com/office/powerpoint/2010/main">
+    <mc:Choice Requires="p14">
       <p:transition p14:dur="250">
         <p:fade/>
       </p:transition>
     </mc:Choice>
-    <mc:Fallback>
+    <mc:Fallback xmlns="">
       <p:transition>
         <p:fade/>
       </p:transition>
@@ -2609,7 +2617,7 @@
           <a:lstStyle/>
           <a:p>
             <a:r>
-              <a:rPr lang="fr-FR" smtClean="0"/>
+              <a:rPr lang="fr-FR"/>
               <a:t>Modifiez le style du titre</a:t>
             </a:r>
             <a:endParaRPr lang="en-US" dirty="0"/>
@@ -2633,35 +2641,35 @@
           <a:p>
             <a:pPr lvl="0"/>
             <a:r>
-              <a:rPr lang="fr-FR" smtClean="0"/>
+              <a:rPr lang="fr-FR"/>
               <a:t>Modifier les styles du texte du masque</a:t>
             </a:r>
           </a:p>
           <a:p>
             <a:pPr lvl="1"/>
             <a:r>
-              <a:rPr lang="fr-FR" smtClean="0"/>
+              <a:rPr lang="fr-FR"/>
               <a:t>Deuxième niveau</a:t>
             </a:r>
           </a:p>
           <a:p>
             <a:pPr lvl="2"/>
             <a:r>
-              <a:rPr lang="fr-FR" smtClean="0"/>
+              <a:rPr lang="fr-FR"/>
               <a:t>Troisième niveau</a:t>
             </a:r>
           </a:p>
           <a:p>
             <a:pPr lvl="3"/>
             <a:r>
-              <a:rPr lang="fr-FR" smtClean="0"/>
+              <a:rPr lang="fr-FR"/>
               <a:t>Quatrième niveau</a:t>
             </a:r>
           </a:p>
           <a:p>
             <a:pPr lvl="4"/>
             <a:r>
-              <a:rPr lang="fr-FR" smtClean="0"/>
+              <a:rPr lang="fr-FR"/>
               <a:t>Cinquième niveau</a:t>
             </a:r>
             <a:endParaRPr lang="en-US" dirty="0"/>
@@ -2743,13 +2751,13 @@
   <p:clrMapOvr>
     <a:masterClrMapping/>
   </p:clrMapOvr>
-  <mc:AlternateContent xmlns:mc="http://schemas.openxmlformats.org/markup-compatibility/2006">
-    <mc:Choice xmlns:p14="http://schemas.microsoft.com/office/powerpoint/2010/main" Requires="p14">
+  <mc:AlternateContent xmlns:mc="http://schemas.openxmlformats.org/markup-compatibility/2006" xmlns:p14="http://schemas.microsoft.com/office/powerpoint/2010/main">
+    <mc:Choice Requires="p14">
       <p:transition p14:dur="250">
         <p:fade/>
       </p:transition>
     </mc:Choice>
-    <mc:Fallback>
+    <mc:Fallback xmlns="">
       <p:transition>
         <p:fade/>
       </p:transition>
@@ -2796,7 +2804,7 @@
           <a:lstStyle/>
           <a:p>
             <a:r>
-              <a:rPr lang="fr-FR" smtClean="0"/>
+              <a:rPr lang="fr-FR"/>
               <a:t>Modifiez le style du titre</a:t>
             </a:r>
             <a:endParaRPr lang="en-US" dirty="0"/>
@@ -2825,35 +2833,35 @@
           <a:p>
             <a:pPr lvl="0"/>
             <a:r>
-              <a:rPr lang="fr-FR" smtClean="0"/>
+              <a:rPr lang="fr-FR"/>
               <a:t>Modifier les styles du texte du masque</a:t>
             </a:r>
           </a:p>
           <a:p>
             <a:pPr lvl="1"/>
             <a:r>
-              <a:rPr lang="fr-FR" smtClean="0"/>
+              <a:rPr lang="fr-FR"/>
               <a:t>Deuxième niveau</a:t>
             </a:r>
           </a:p>
           <a:p>
             <a:pPr lvl="2"/>
             <a:r>
-              <a:rPr lang="fr-FR" smtClean="0"/>
+              <a:rPr lang="fr-FR"/>
               <a:t>Troisième niveau</a:t>
             </a:r>
           </a:p>
           <a:p>
             <a:pPr lvl="3"/>
             <a:r>
-              <a:rPr lang="fr-FR" smtClean="0"/>
+              <a:rPr lang="fr-FR"/>
               <a:t>Quatrième niveau</a:t>
             </a:r>
           </a:p>
           <a:p>
             <a:pPr lvl="4"/>
             <a:r>
-              <a:rPr lang="fr-FR" smtClean="0"/>
+              <a:rPr lang="fr-FR"/>
               <a:t>Cinquième niveau</a:t>
             </a:r>
             <a:endParaRPr lang="en-US" dirty="0"/>
@@ -2937,13 +2945,13 @@
   <p:clrMapOvr>
     <a:masterClrMapping/>
   </p:clrMapOvr>
-  <mc:AlternateContent xmlns:mc="http://schemas.openxmlformats.org/markup-compatibility/2006">
-    <mc:Choice xmlns:p14="http://schemas.microsoft.com/office/powerpoint/2010/main" Requires="p14">
+  <mc:AlternateContent xmlns:mc="http://schemas.openxmlformats.org/markup-compatibility/2006" xmlns:p14="http://schemas.microsoft.com/office/powerpoint/2010/main">
+    <mc:Choice Requires="p14">
       <p:transition p14:dur="250">
         <p:fade/>
       </p:transition>
     </mc:Choice>
-    <mc:Fallback>
+    <mc:Fallback xmlns="">
       <p:transition>
         <p:fade/>
       </p:transition>
@@ -2985,7 +2993,7 @@
           <a:lstStyle/>
           <a:p>
             <a:r>
-              <a:rPr lang="fr-FR" smtClean="0"/>
+              <a:rPr lang="fr-FR"/>
               <a:t>Modifiez le style du titre</a:t>
             </a:r>
             <a:endParaRPr lang="en-US" dirty="0"/>
@@ -3009,35 +3017,35 @@
           <a:p>
             <a:pPr lvl="0"/>
             <a:r>
-              <a:rPr lang="fr-FR" smtClean="0"/>
+              <a:rPr lang="fr-FR"/>
               <a:t>Modifier les styles du texte du masque</a:t>
             </a:r>
           </a:p>
           <a:p>
             <a:pPr lvl="1"/>
             <a:r>
-              <a:rPr lang="fr-FR" smtClean="0"/>
+              <a:rPr lang="fr-FR"/>
               <a:t>Deuxième niveau</a:t>
             </a:r>
           </a:p>
           <a:p>
             <a:pPr lvl="2"/>
             <a:r>
-              <a:rPr lang="fr-FR" smtClean="0"/>
+              <a:rPr lang="fr-FR"/>
               <a:t>Troisième niveau</a:t>
             </a:r>
           </a:p>
           <a:p>
             <a:pPr lvl="3"/>
             <a:r>
-              <a:rPr lang="fr-FR" smtClean="0"/>
+              <a:rPr lang="fr-FR"/>
               <a:t>Quatrième niveau</a:t>
             </a:r>
           </a:p>
           <a:p>
             <a:pPr lvl="4"/>
             <a:r>
-              <a:rPr lang="fr-FR" smtClean="0"/>
+              <a:rPr lang="fr-FR"/>
               <a:t>Cinquième niveau</a:t>
             </a:r>
             <a:endParaRPr lang="en-US" dirty="0"/>
@@ -3121,13 +3129,13 @@
   <p:clrMapOvr>
     <a:masterClrMapping/>
   </p:clrMapOvr>
-  <mc:AlternateContent xmlns:mc="http://schemas.openxmlformats.org/markup-compatibility/2006">
-    <mc:Choice xmlns:p14="http://schemas.microsoft.com/office/powerpoint/2010/main" Requires="p14">
+  <mc:AlternateContent xmlns:mc="http://schemas.openxmlformats.org/markup-compatibility/2006" xmlns:p14="http://schemas.microsoft.com/office/powerpoint/2010/main">
+    <mc:Choice Requires="p14">
       <p:transition p14:dur="250">
         <p:fade/>
       </p:transition>
     </mc:Choice>
-    <mc:Fallback>
+    <mc:Fallback xmlns="">
       <p:transition>
         <p:fade/>
       </p:transition>
@@ -3178,7 +3186,7 @@
           </a:lstStyle>
           <a:p>
             <a:r>
-              <a:rPr lang="fr-FR" smtClean="0"/>
+              <a:rPr lang="fr-FR"/>
               <a:t>Modifiez le style du titre</a:t>
             </a:r>
             <a:endParaRPr lang="en-US" dirty="0"/>
@@ -3299,7 +3307,7 @@
           <a:p>
             <a:pPr lvl="0"/>
             <a:r>
-              <a:rPr lang="fr-FR" smtClean="0"/>
+              <a:rPr lang="fr-FR"/>
               <a:t>Modifier les styles du texte du masque</a:t>
             </a:r>
           </a:p>
@@ -3382,13 +3390,13 @@
   <p:clrMapOvr>
     <a:masterClrMapping/>
   </p:clrMapOvr>
-  <mc:AlternateContent xmlns:mc="http://schemas.openxmlformats.org/markup-compatibility/2006">
-    <mc:Choice xmlns:p14="http://schemas.microsoft.com/office/powerpoint/2010/main" Requires="p14">
+  <mc:AlternateContent xmlns:mc="http://schemas.openxmlformats.org/markup-compatibility/2006" xmlns:p14="http://schemas.microsoft.com/office/powerpoint/2010/main">
+    <mc:Choice Requires="p14">
       <p:transition p14:dur="250">
         <p:fade/>
       </p:transition>
     </mc:Choice>
-    <mc:Fallback>
+    <mc:Fallback xmlns="">
       <p:transition>
         <p:fade/>
       </p:transition>
@@ -3430,7 +3438,7 @@
           <a:lstStyle/>
           <a:p>
             <a:r>
-              <a:rPr lang="fr-FR" smtClean="0"/>
+              <a:rPr lang="fr-FR"/>
               <a:t>Modifiez le style du titre</a:t>
             </a:r>
             <a:endParaRPr lang="en-US" dirty="0"/>
@@ -3459,35 +3467,35 @@
           <a:p>
             <a:pPr lvl="0"/>
             <a:r>
-              <a:rPr lang="fr-FR" smtClean="0"/>
+              <a:rPr lang="fr-FR"/>
               <a:t>Modifier les styles du texte du masque</a:t>
             </a:r>
           </a:p>
           <a:p>
             <a:pPr lvl="1"/>
             <a:r>
-              <a:rPr lang="fr-FR" smtClean="0"/>
+              <a:rPr lang="fr-FR"/>
               <a:t>Deuxième niveau</a:t>
             </a:r>
           </a:p>
           <a:p>
             <a:pPr lvl="2"/>
             <a:r>
-              <a:rPr lang="fr-FR" smtClean="0"/>
+              <a:rPr lang="fr-FR"/>
               <a:t>Troisième niveau</a:t>
             </a:r>
           </a:p>
           <a:p>
             <a:pPr lvl="3"/>
             <a:r>
-              <a:rPr lang="fr-FR" smtClean="0"/>
+              <a:rPr lang="fr-FR"/>
               <a:t>Quatrième niveau</a:t>
             </a:r>
           </a:p>
           <a:p>
             <a:pPr lvl="4"/>
             <a:r>
-              <a:rPr lang="fr-FR" smtClean="0"/>
+              <a:rPr lang="fr-FR"/>
               <a:t>Cinquième niveau</a:t>
             </a:r>
             <a:endParaRPr lang="en-US" dirty="0"/>
@@ -3516,35 +3524,35 @@
           <a:p>
             <a:pPr lvl="0"/>
             <a:r>
-              <a:rPr lang="fr-FR" smtClean="0"/>
+              <a:rPr lang="fr-FR"/>
               <a:t>Modifier les styles du texte du masque</a:t>
             </a:r>
           </a:p>
           <a:p>
             <a:pPr lvl="1"/>
             <a:r>
-              <a:rPr lang="fr-FR" smtClean="0"/>
+              <a:rPr lang="fr-FR"/>
               <a:t>Deuxième niveau</a:t>
             </a:r>
           </a:p>
           <a:p>
             <a:pPr lvl="2"/>
             <a:r>
-              <a:rPr lang="fr-FR" smtClean="0"/>
+              <a:rPr lang="fr-FR"/>
               <a:t>Troisième niveau</a:t>
             </a:r>
           </a:p>
           <a:p>
             <a:pPr lvl="3"/>
             <a:r>
-              <a:rPr lang="fr-FR" smtClean="0"/>
+              <a:rPr lang="fr-FR"/>
               <a:t>Quatrième niveau</a:t>
             </a:r>
           </a:p>
           <a:p>
             <a:pPr lvl="4"/>
             <a:r>
-              <a:rPr lang="fr-FR" smtClean="0"/>
+              <a:rPr lang="fr-FR"/>
               <a:t>Cinquième niveau</a:t>
             </a:r>
             <a:endParaRPr lang="en-US" dirty="0"/>
@@ -3626,13 +3634,13 @@
   <p:clrMapOvr>
     <a:masterClrMapping/>
   </p:clrMapOvr>
-  <mc:AlternateContent xmlns:mc="http://schemas.openxmlformats.org/markup-compatibility/2006">
-    <mc:Choice xmlns:p14="http://schemas.microsoft.com/office/powerpoint/2010/main" Requires="p14">
+  <mc:AlternateContent xmlns:mc="http://schemas.openxmlformats.org/markup-compatibility/2006" xmlns:p14="http://schemas.microsoft.com/office/powerpoint/2010/main">
+    <mc:Choice Requires="p14">
       <p:transition p14:dur="250">
         <p:fade/>
       </p:transition>
     </mc:Choice>
-    <mc:Fallback>
+    <mc:Fallback xmlns="">
       <p:transition>
         <p:fade/>
       </p:transition>
@@ -3678,7 +3686,7 @@
           </a:lstStyle>
           <a:p>
             <a:r>
-              <a:rPr lang="fr-FR" smtClean="0"/>
+              <a:rPr lang="fr-FR"/>
               <a:t>Modifiez le style du titre</a:t>
             </a:r>
             <a:endParaRPr lang="en-US" dirty="0"/>
@@ -3746,7 +3754,7 @@
           <a:p>
             <a:pPr lvl="0"/>
             <a:r>
-              <a:rPr lang="fr-FR" smtClean="0"/>
+              <a:rPr lang="fr-FR"/>
               <a:t>Modifier les styles du texte du masque</a:t>
             </a:r>
           </a:p>
@@ -3776,35 +3784,35 @@
           <a:p>
             <a:pPr lvl="0"/>
             <a:r>
-              <a:rPr lang="fr-FR" smtClean="0"/>
+              <a:rPr lang="fr-FR"/>
               <a:t>Modifier les styles du texte du masque</a:t>
             </a:r>
           </a:p>
           <a:p>
             <a:pPr lvl="1"/>
             <a:r>
-              <a:rPr lang="fr-FR" smtClean="0"/>
+              <a:rPr lang="fr-FR"/>
               <a:t>Deuxième niveau</a:t>
             </a:r>
           </a:p>
           <a:p>
             <a:pPr lvl="2"/>
             <a:r>
-              <a:rPr lang="fr-FR" smtClean="0"/>
+              <a:rPr lang="fr-FR"/>
               <a:t>Troisième niveau</a:t>
             </a:r>
           </a:p>
           <a:p>
             <a:pPr lvl="3"/>
             <a:r>
-              <a:rPr lang="fr-FR" smtClean="0"/>
+              <a:rPr lang="fr-FR"/>
               <a:t>Quatrième niveau</a:t>
             </a:r>
           </a:p>
           <a:p>
             <a:pPr lvl="4"/>
             <a:r>
-              <a:rPr lang="fr-FR" smtClean="0"/>
+              <a:rPr lang="fr-FR"/>
               <a:t>Cinquième niveau</a:t>
             </a:r>
             <a:endParaRPr lang="en-US" dirty="0"/>
@@ -3872,7 +3880,7 @@
           <a:p>
             <a:pPr lvl="0"/>
             <a:r>
-              <a:rPr lang="fr-FR" smtClean="0"/>
+              <a:rPr lang="fr-FR"/>
               <a:t>Modifier les styles du texte du masque</a:t>
             </a:r>
           </a:p>
@@ -3902,35 +3910,35 @@
           <a:p>
             <a:pPr lvl="0"/>
             <a:r>
-              <a:rPr lang="fr-FR" smtClean="0"/>
+              <a:rPr lang="fr-FR"/>
               <a:t>Modifier les styles du texte du masque</a:t>
             </a:r>
           </a:p>
           <a:p>
             <a:pPr lvl="1"/>
             <a:r>
-              <a:rPr lang="fr-FR" smtClean="0"/>
+              <a:rPr lang="fr-FR"/>
               <a:t>Deuxième niveau</a:t>
             </a:r>
           </a:p>
           <a:p>
             <a:pPr lvl="2"/>
             <a:r>
-              <a:rPr lang="fr-FR" smtClean="0"/>
+              <a:rPr lang="fr-FR"/>
               <a:t>Troisième niveau</a:t>
             </a:r>
           </a:p>
           <a:p>
             <a:pPr lvl="3"/>
             <a:r>
-              <a:rPr lang="fr-FR" smtClean="0"/>
+              <a:rPr lang="fr-FR"/>
               <a:t>Quatrième niveau</a:t>
             </a:r>
           </a:p>
           <a:p>
             <a:pPr lvl="4"/>
             <a:r>
-              <a:rPr lang="fr-FR" smtClean="0"/>
+              <a:rPr lang="fr-FR"/>
               <a:t>Cinquième niveau</a:t>
             </a:r>
             <a:endParaRPr lang="en-US" dirty="0"/>
@@ -4014,13 +4022,13 @@
   <p:clrMapOvr>
     <a:masterClrMapping/>
   </p:clrMapOvr>
-  <mc:AlternateContent xmlns:mc="http://schemas.openxmlformats.org/markup-compatibility/2006">
-    <mc:Choice xmlns:p14="http://schemas.microsoft.com/office/powerpoint/2010/main" Requires="p14">
+  <mc:AlternateContent xmlns:mc="http://schemas.openxmlformats.org/markup-compatibility/2006" xmlns:p14="http://schemas.microsoft.com/office/powerpoint/2010/main">
+    <mc:Choice Requires="p14">
       <p:transition p14:dur="250">
         <p:fade/>
       </p:transition>
     </mc:Choice>
-    <mc:Fallback>
+    <mc:Fallback xmlns="">
       <p:transition>
         <p:fade/>
       </p:transition>
@@ -4067,7 +4075,7 @@
           <a:lstStyle/>
           <a:p>
             <a:r>
-              <a:rPr lang="fr-FR" smtClean="0"/>
+              <a:rPr lang="fr-FR"/>
               <a:t>Modifiez le style du titre</a:t>
             </a:r>
             <a:endParaRPr lang="en-US" dirty="0"/>
@@ -4151,13 +4159,13 @@
   <p:clrMapOvr>
     <a:masterClrMapping/>
   </p:clrMapOvr>
-  <mc:AlternateContent xmlns:mc="http://schemas.openxmlformats.org/markup-compatibility/2006">
-    <mc:Choice xmlns:p14="http://schemas.microsoft.com/office/powerpoint/2010/main" Requires="p14">
+  <mc:AlternateContent xmlns:mc="http://schemas.openxmlformats.org/markup-compatibility/2006" xmlns:p14="http://schemas.microsoft.com/office/powerpoint/2010/main">
+    <mc:Choice Requires="p14">
       <p:transition p14:dur="250">
         <p:fade/>
       </p:transition>
     </mc:Choice>
-    <mc:Fallback>
+    <mc:Fallback xmlns="">
       <p:transition>
         <p:fade/>
       </p:transition>
@@ -4260,13 +4268,13 @@
   <p:clrMapOvr>
     <a:masterClrMapping/>
   </p:clrMapOvr>
-  <mc:AlternateContent xmlns:mc="http://schemas.openxmlformats.org/markup-compatibility/2006">
-    <mc:Choice xmlns:p14="http://schemas.microsoft.com/office/powerpoint/2010/main" Requires="p14">
+  <mc:AlternateContent xmlns:mc="http://schemas.openxmlformats.org/markup-compatibility/2006" xmlns:p14="http://schemas.microsoft.com/office/powerpoint/2010/main">
+    <mc:Choice Requires="p14">
       <p:transition p14:dur="250">
         <p:fade/>
       </p:transition>
     </mc:Choice>
-    <mc:Fallback>
+    <mc:Fallback xmlns="">
       <p:transition>
         <p:fade/>
       </p:transition>
@@ -4319,7 +4327,7 @@
           </a:lstStyle>
           <a:p>
             <a:r>
-              <a:rPr lang="fr-FR" smtClean="0"/>
+              <a:rPr lang="fr-FR"/>
               <a:t>Modifiez le style du titre</a:t>
             </a:r>
             <a:endParaRPr lang="en-US" dirty="0"/>
@@ -4350,35 +4358,35 @@
           <a:p>
             <a:pPr lvl="0"/>
             <a:r>
-              <a:rPr lang="fr-FR" smtClean="0"/>
+              <a:rPr lang="fr-FR"/>
               <a:t>Modifier les styles du texte du masque</a:t>
             </a:r>
           </a:p>
           <a:p>
             <a:pPr lvl="1"/>
             <a:r>
-              <a:rPr lang="fr-FR" smtClean="0"/>
+              <a:rPr lang="fr-FR"/>
               <a:t>Deuxième niveau</a:t>
             </a:r>
           </a:p>
           <a:p>
             <a:pPr lvl="2"/>
             <a:r>
-              <a:rPr lang="fr-FR" smtClean="0"/>
+              <a:rPr lang="fr-FR"/>
               <a:t>Troisième niveau</a:t>
             </a:r>
           </a:p>
           <a:p>
             <a:pPr lvl="3"/>
             <a:r>
-              <a:rPr lang="fr-FR" smtClean="0"/>
+              <a:rPr lang="fr-FR"/>
               <a:t>Quatrième niveau</a:t>
             </a:r>
           </a:p>
           <a:p>
             <a:pPr lvl="4"/>
             <a:r>
-              <a:rPr lang="fr-FR" smtClean="0"/>
+              <a:rPr lang="fr-FR"/>
               <a:t>Cinquième niveau</a:t>
             </a:r>
             <a:endParaRPr lang="en-US" dirty="0"/>
@@ -4446,7 +4454,7 @@
           <a:p>
             <a:pPr lvl="0"/>
             <a:r>
-              <a:rPr lang="fr-FR" smtClean="0"/>
+              <a:rPr lang="fr-FR"/>
               <a:t>Modifier les styles du texte du masque</a:t>
             </a:r>
           </a:p>
@@ -4527,13 +4535,13 @@
   <p:clrMapOvr>
     <a:masterClrMapping/>
   </p:clrMapOvr>
-  <mc:AlternateContent xmlns:mc="http://schemas.openxmlformats.org/markup-compatibility/2006">
-    <mc:Choice xmlns:p14="http://schemas.microsoft.com/office/powerpoint/2010/main" Requires="p14">
+  <mc:AlternateContent xmlns:mc="http://schemas.openxmlformats.org/markup-compatibility/2006" xmlns:p14="http://schemas.microsoft.com/office/powerpoint/2010/main">
+    <mc:Choice Requires="p14">
       <p:transition p14:dur="250">
         <p:fade/>
       </p:transition>
     </mc:Choice>
-    <mc:Fallback>
+    <mc:Fallback xmlns="">
       <p:transition>
         <p:fade/>
       </p:transition>
@@ -4586,7 +4594,7 @@
           </a:lstStyle>
           <a:p>
             <a:r>
-              <a:rPr lang="fr-FR" smtClean="0"/>
+              <a:rPr lang="fr-FR"/>
               <a:t>Modifiez le style du titre</a:t>
             </a:r>
             <a:endParaRPr lang="en-US" dirty="0"/>
@@ -4653,7 +4661,7 @@
           </a:lstStyle>
           <a:p>
             <a:r>
-              <a:rPr lang="fr-FR" smtClean="0"/>
+              <a:rPr lang="fr-FR"/>
               <a:t>Cliquez sur l'icône pour ajouter une image</a:t>
             </a:r>
             <a:endParaRPr lang="en-US" dirty="0"/>
@@ -4721,7 +4729,7 @@
           <a:p>
             <a:pPr lvl="0"/>
             <a:r>
-              <a:rPr lang="fr-FR" smtClean="0"/>
+              <a:rPr lang="fr-FR"/>
               <a:t>Modifier les styles du texte du masque</a:t>
             </a:r>
           </a:p>
@@ -4804,13 +4812,13 @@
   <p:clrMapOvr>
     <a:masterClrMapping/>
   </p:clrMapOvr>
-  <mc:AlternateContent xmlns:mc="http://schemas.openxmlformats.org/markup-compatibility/2006">
-    <mc:Choice xmlns:p14="http://schemas.microsoft.com/office/powerpoint/2010/main" Requires="p14">
+  <mc:AlternateContent xmlns:mc="http://schemas.openxmlformats.org/markup-compatibility/2006" xmlns:p14="http://schemas.microsoft.com/office/powerpoint/2010/main">
+    <mc:Choice Requires="p14">
       <p:transition p14:dur="250">
         <p:fade/>
       </p:transition>
     </mc:Choice>
-    <mc:Fallback>
+    <mc:Fallback xmlns="">
       <p:transition>
         <p:fade/>
       </p:transition>
@@ -5399,7 +5407,7 @@
           <a:lstStyle/>
           <a:p>
             <a:r>
-              <a:rPr lang="fr-FR" smtClean="0"/>
+              <a:rPr lang="fr-FR"/>
               <a:t>Modifiez le style du titre</a:t>
             </a:r>
             <a:endParaRPr lang="en-US" dirty="0"/>
@@ -5433,35 +5441,35 @@
           <a:p>
             <a:pPr lvl="0"/>
             <a:r>
-              <a:rPr lang="fr-FR" smtClean="0"/>
+              <a:rPr lang="fr-FR"/>
               <a:t>Modifier les styles du texte du masque</a:t>
             </a:r>
           </a:p>
           <a:p>
             <a:pPr lvl="1"/>
             <a:r>
-              <a:rPr lang="fr-FR" smtClean="0"/>
+              <a:rPr lang="fr-FR"/>
               <a:t>Deuxième niveau</a:t>
             </a:r>
           </a:p>
           <a:p>
             <a:pPr lvl="2"/>
             <a:r>
-              <a:rPr lang="fr-FR" smtClean="0"/>
+              <a:rPr lang="fr-FR"/>
               <a:t>Troisième niveau</a:t>
             </a:r>
           </a:p>
           <a:p>
             <a:pPr lvl="3"/>
             <a:r>
-              <a:rPr lang="fr-FR" smtClean="0"/>
+              <a:rPr lang="fr-FR"/>
               <a:t>Quatrième niveau</a:t>
             </a:r>
           </a:p>
           <a:p>
             <a:pPr lvl="4"/>
             <a:r>
-              <a:rPr lang="fr-FR" smtClean="0"/>
+              <a:rPr lang="fr-FR"/>
               <a:t>Cinquième niveau</a:t>
             </a:r>
             <a:endParaRPr lang="en-US" dirty="0"/>
@@ -5615,13 +5623,13 @@
     <p:sldLayoutId id="2147483734" r:id="rId15"/>
     <p:sldLayoutId id="2147483735" r:id="rId16"/>
   </p:sldLayoutIdLst>
-  <mc:AlternateContent xmlns:mc="http://schemas.openxmlformats.org/markup-compatibility/2006">
-    <mc:Choice xmlns:p14="http://schemas.microsoft.com/office/powerpoint/2010/main" Requires="p14">
+  <mc:AlternateContent xmlns:mc="http://schemas.openxmlformats.org/markup-compatibility/2006" xmlns:p14="http://schemas.microsoft.com/office/powerpoint/2010/main">
+    <mc:Choice Requires="p14">
       <p:transition p14:dur="250">
         <p:fade/>
       </p:transition>
     </mc:Choice>
-    <mc:Fallback>
+    <mc:Fallback xmlns="">
       <p:transition>
         <p:fade/>
       </p:transition>
@@ -6085,19 +6093,19 @@
           <a:p>
             <a:pPr algn="ctr"/>
             <a:r>
-              <a:rPr lang="fr-FR" sz="6000" dirty="0" smtClean="0">
+              <a:rPr lang="fr-FR" sz="6000" dirty="0">
                 <a:latin typeface="Arial Black" panose="020B0A04020102020204" pitchFamily="34" charset="0"/>
               </a:rPr>
               <a:t>PROJET</a:t>
             </a:r>
             <a:r>
-              <a:rPr lang="fr-FR" sz="8800" dirty="0" smtClean="0">
+              <a:rPr lang="fr-FR" sz="8800" dirty="0">
                 <a:latin typeface="Arial Black" panose="020B0A04020102020204" pitchFamily="34" charset="0"/>
               </a:rPr>
               <a:t> </a:t>
             </a:r>
             <a:r>
-              <a:rPr lang="fr-FR" sz="6000" dirty="0" smtClean="0">
+              <a:rPr lang="fr-FR" sz="6000" dirty="0">
                 <a:latin typeface="Arial Black" panose="020B0A04020102020204" pitchFamily="34" charset="0"/>
               </a:rPr>
               <a:t>EXIASAVER</a:t>
@@ -6129,32 +6137,6 @@
             <a:normAutofit lnSpcReduction="10000"/>
           </a:bodyPr>
           <a:lstStyle/>
-          <a:p>
-            <a:r>
-              <a:rPr lang="fr-FR" sz="1600" dirty="0" smtClean="0">
-                <a:solidFill>
-                  <a:schemeClr val="bg1">
-                    <a:lumMod val="95000"/>
-                  </a:schemeClr>
-                </a:solidFill>
-                <a:latin typeface="Arial Black" panose="020B0A04020102020204" pitchFamily="34" charset="0"/>
-              </a:rPr>
-              <a:t>-MAXENCE KRUGER</a:t>
-            </a:r>
-          </a:p>
-          <a:p>
-            <a:r>
-              <a:rPr lang="fr-FR" sz="1600" dirty="0" smtClean="0">
-                <a:solidFill>
-                  <a:schemeClr val="bg1">
-                    <a:lumMod val="95000"/>
-                  </a:schemeClr>
-                </a:solidFill>
-                <a:latin typeface="Arial Black" panose="020B0A04020102020204" pitchFamily="34" charset="0"/>
-              </a:rPr>
-              <a:t>-MAXIME HOLLEBECQ</a:t>
-            </a:r>
-          </a:p>
           <a:p>
             <a:r>
               <a:rPr lang="fr-FR" sz="1600" dirty="0">
@@ -6165,10 +6147,25 @@
                 </a:solidFill>
                 <a:latin typeface="Arial Black" panose="020B0A04020102020204" pitchFamily="34" charset="0"/>
               </a:rPr>
-              <a:t>-</a:t>
-            </a:r>
-            <a:r>
-              <a:rPr lang="fr-FR" sz="1600" dirty="0" smtClean="0">
+              <a:t>MAXENCE KRUGER</a:t>
+            </a:r>
+          </a:p>
+          <a:p>
+            <a:r>
+              <a:rPr lang="fr-FR" sz="1600" dirty="0">
+                <a:solidFill>
+                  <a:schemeClr val="bg1">
+                    <a:lumMod val="95000"/>
+                  </a:schemeClr>
+                </a:solidFill>
+                <a:latin typeface="Arial Black" panose="020B0A04020102020204" pitchFamily="34" charset="0"/>
+              </a:rPr>
+              <a:t>MAXIME HOLLEBECQ</a:t>
+            </a:r>
+          </a:p>
+          <a:p>
+            <a:r>
+              <a:rPr lang="fr-FR" sz="1600" dirty="0">
                 <a:solidFill>
                   <a:schemeClr val="bg1">
                     <a:lumMod val="95000"/>
@@ -6181,7 +6178,7 @@
           </a:p>
           <a:p>
             <a:r>
-              <a:rPr lang="fr-FR" sz="1600" dirty="0" smtClean="0">
+              <a:rPr lang="fr-FR" sz="1600" dirty="0">
                 <a:solidFill>
                   <a:schemeClr val="bg1">
                     <a:lumMod val="95000"/>
@@ -6189,16 +6186,8 @@
                 </a:solidFill>
                 <a:latin typeface="Arial Black" panose="020B0A04020102020204" pitchFamily="34" charset="0"/>
               </a:rPr>
-              <a:t>-DIMITRI LIBESSART</a:t>
-            </a:r>
-            <a:endParaRPr lang="fr-FR" sz="1600" dirty="0">
-              <a:solidFill>
-                <a:schemeClr val="bg1">
-                  <a:lumMod val="95000"/>
-                </a:schemeClr>
-              </a:solidFill>
-              <a:latin typeface="Arial Black" panose="020B0A04020102020204" pitchFamily="34" charset="0"/>
-            </a:endParaRPr>
+              <a:t>DIMITRI LIBESSART</a:t>
+            </a:r>
           </a:p>
         </p:txBody>
       </p:sp>
@@ -6262,25 +6251,18 @@
   <p:clrMapOvr>
     <a:masterClrMapping/>
   </p:clrMapOvr>
-  <mc:AlternateContent xmlns:mc="http://schemas.openxmlformats.org/markup-compatibility/2006">
-    <mc:Choice xmlns:p14="http://schemas.microsoft.com/office/powerpoint/2010/main" Requires="p14">
+  <mc:AlternateContent xmlns:mc="http://schemas.openxmlformats.org/markup-compatibility/2006" xmlns:p14="http://schemas.microsoft.com/office/powerpoint/2010/main">
+    <mc:Choice Requires="p14">
       <p:transition p14:dur="250">
         <p:fade/>
       </p:transition>
     </mc:Choice>
-    <mc:Fallback>
+    <mc:Fallback xmlns="">
       <p:transition>
         <p:fade/>
       </p:transition>
     </mc:Fallback>
   </mc:AlternateContent>
-  <p:timing>
-    <p:tnLst>
-      <p:par>
-        <p:cTn id="1" dur="indefinite" restart="never" nodeType="tmRoot"/>
-      </p:par>
-    </p:tnLst>
-  </p:timing>
 </p:sld>
 </file>
 
@@ -6325,25 +6307,22 @@
           <a:p>
             <a:pPr algn="ctr"/>
             <a:r>
-              <a:rPr lang="fr-FR" sz="7200" dirty="0" smtClean="0">
+              <a:rPr lang="fr-FR" sz="7200" dirty="0">
                 <a:latin typeface="Arial Black" panose="020B0A04020102020204" pitchFamily="34" charset="0"/>
               </a:rPr>
               <a:t>OBJECTIF DU </a:t>
             </a:r>
             <a:br>
-              <a:rPr lang="fr-FR" sz="7200" dirty="0" smtClean="0">
+              <a:rPr lang="fr-FR" sz="7200" dirty="0">
                 <a:latin typeface="Arial Black" panose="020B0A04020102020204" pitchFamily="34" charset="0"/>
               </a:rPr>
             </a:br>
             <a:r>
-              <a:rPr lang="fr-FR" sz="7200" dirty="0" smtClean="0">
+              <a:rPr lang="fr-FR" sz="7200" dirty="0">
                 <a:latin typeface="Arial Black" panose="020B0A04020102020204" pitchFamily="34" charset="0"/>
               </a:rPr>
               <a:t>PROJET</a:t>
             </a:r>
-            <a:endParaRPr lang="fr-FR" sz="7200" dirty="0">
-              <a:latin typeface="Arial Black" panose="020B0A04020102020204" pitchFamily="34" charset="0"/>
-            </a:endParaRPr>
           </a:p>
         </p:txBody>
       </p:sp>
@@ -6356,14 +6335,14 @@
           <p:nvPr>
             <p:extLst>
               <p:ext uri="{D42A27DB-BD31-4B8C-83A1-F6EECF244321}">
-                <p14:modId xmlns:p14="http://schemas.microsoft.com/office/powerpoint/2010/main" val="794378843"/>
+                <p14:modId xmlns:p14="http://schemas.microsoft.com/office/powerpoint/2010/main" val="2248045518"/>
               </p:ext>
             </p:extLst>
           </p:nvPr>
         </p:nvGraphicFramePr>
         <p:xfrm>
           <a:off x="0" y="0"/>
-          <a:ext cx="1756229" cy="6858000"/>
+          <a:ext cx="1756229" cy="6857999"/>
         </p:xfrm>
         <a:graphic>
           <a:graphicData uri="http://schemas.openxmlformats.org/drawingml/2006/table">
@@ -6380,7 +6359,7 @@
                   </a:extLst>
                 </a:gridCol>
               </a:tblGrid>
-              <a:tr h="857250">
+              <a:tr h="1686393">
                 <a:tc>
                   <a:txBody>
                     <a:bodyPr/>
@@ -6404,7 +6383,7 @@
                   </a:ext>
                 </a:extLst>
               </a:tr>
-              <a:tr h="857250">
+              <a:tr h="1686393">
                 <a:tc>
                   <a:txBody>
                     <a:bodyPr/>
@@ -6412,7 +6391,7 @@
                     <a:p>
                       <a:pPr algn="ctr"/>
                       <a:r>
-                        <a:rPr lang="fr-FR" sz="1600" dirty="0" smtClean="0">
+                        <a:rPr lang="fr-FR" sz="1600" dirty="0">
                           <a:solidFill>
                             <a:schemeClr val="bg1"/>
                           </a:solidFill>
@@ -6420,12 +6399,6 @@
                         </a:rPr>
                         <a:t>OBJECTIF DU PROJET</a:t>
                       </a:r>
-                      <a:endParaRPr lang="fr-FR" sz="1600" dirty="0">
-                        <a:solidFill>
-                          <a:schemeClr val="bg1"/>
-                        </a:solidFill>
-                        <a:latin typeface="Arial Black" panose="020B0A04020102020204" pitchFamily="34" charset="0"/>
-                      </a:endParaRPr>
                     </a:p>
                   </a:txBody>
                   <a:tcPr>
@@ -6440,7 +6413,7 @@
                   </a:ext>
                 </a:extLst>
               </a:tr>
-              <a:tr h="857250">
+              <a:tr h="1686393">
                 <a:tc>
                   <a:txBody>
                     <a:bodyPr/>
@@ -6448,7 +6421,7 @@
                     <a:p>
                       <a:pPr algn="ctr"/>
                       <a:r>
-                        <a:rPr lang="fr-FR" sz="1600" dirty="0" smtClean="0">
+                        <a:rPr lang="fr-FR" sz="1600" dirty="0">
                           <a:solidFill>
                             <a:schemeClr val="bg1"/>
                           </a:solidFill>
@@ -6456,18 +6429,12 @@
                         </a:rPr>
                         <a:t>REALISATION DU PROJET</a:t>
                       </a:r>
-                      <a:endParaRPr lang="fr-FR" sz="1600" dirty="0">
-                        <a:solidFill>
-                          <a:schemeClr val="bg1"/>
-                        </a:solidFill>
-                        <a:latin typeface="Arial Black" panose="020B0A04020102020204" pitchFamily="34" charset="0"/>
-                      </a:endParaRPr>
                     </a:p>
                   </a:txBody>
                   <a:tcPr>
                     <a:solidFill>
-                      <a:schemeClr val="bg2">
-                        <a:lumMod val="75000"/>
+                      <a:schemeClr val="bg1">
+                        <a:lumMod val="65000"/>
                       </a:schemeClr>
                     </a:solidFill>
                   </a:tcPr>
@@ -6478,19 +6445,47 @@
                   </a:ext>
                 </a:extLst>
               </a:tr>
-              <a:tr h="857250">
+              <a:tr h="1798820">
                 <a:tc>
                   <a:txBody>
                     <a:bodyPr/>
                     <a:lstStyle/>
+                    <a:p>
+                      <a:pPr marL="0" marR="0" lvl="0" indent="0" algn="ctr" defTabSz="457200" rtl="0" eaLnBrk="1" fontAlgn="auto" latinLnBrk="0" hangingPunct="1">
+                        <a:lnSpc>
+                          <a:spcPct val="100000"/>
+                        </a:lnSpc>
+                        <a:spcBef>
+                          <a:spcPts val="0"/>
+                        </a:spcBef>
+                        <a:spcAft>
+                          <a:spcPts val="0"/>
+                        </a:spcAft>
+                        <a:buClrTx/>
+                        <a:buSzTx/>
+                        <a:buFontTx/>
+                        <a:buNone/>
+                        <a:tabLst/>
+                        <a:defRPr/>
+                      </a:pPr>
+                      <a:r>
+                        <a:rPr lang="fr-FR" sz="1600" dirty="0">
+                          <a:solidFill>
+                            <a:schemeClr val="bg1"/>
+                          </a:solidFill>
+                          <a:latin typeface="Arial Black" panose="020B0A04020102020204" pitchFamily="34" charset="0"/>
+                        </a:rPr>
+                        <a:t>CONCLUSION</a:t>
+                      </a:r>
+                    </a:p>
                     <a:p>
                       <a:endParaRPr lang="fr-FR" dirty="0"/>
                     </a:p>
                   </a:txBody>
                   <a:tcPr>
                     <a:solidFill>
-                      <a:schemeClr val="bg2">
-                        <a:lumMod val="75000"/>
+                      <a:schemeClr val="bg1">
+                        <a:lumMod val="65000"/>
                       </a:schemeClr>
                     </a:solidFill>
                   </a:tcPr>
@@ -6498,98 +6493,6 @@
                 <a:extLst>
                   <a:ext uri="{0D108BD9-81ED-4DB2-BD59-A6C34878D82A}">
                     <a16:rowId xmlns:a16="http://schemas.microsoft.com/office/drawing/2014/main" val="2634199983"/>
-                  </a:ext>
-                </a:extLst>
-              </a:tr>
-              <a:tr h="857250">
-                <a:tc>
-                  <a:txBody>
-                    <a:bodyPr/>
-                    <a:lstStyle/>
-                    <a:p>
-                      <a:endParaRPr lang="fr-FR" dirty="0"/>
-                    </a:p>
-                  </a:txBody>
-                  <a:tcPr>
-                    <a:solidFill>
-                      <a:schemeClr val="bg2">
-                        <a:lumMod val="75000"/>
-                      </a:schemeClr>
-                    </a:solidFill>
-                  </a:tcPr>
-                </a:tc>
-                <a:extLst>
-                  <a:ext uri="{0D108BD9-81ED-4DB2-BD59-A6C34878D82A}">
-                    <a16:rowId xmlns:a16="http://schemas.microsoft.com/office/drawing/2014/main" val="2052153569"/>
-                  </a:ext>
-                </a:extLst>
-              </a:tr>
-              <a:tr h="857250">
-                <a:tc>
-                  <a:txBody>
-                    <a:bodyPr/>
-                    <a:lstStyle/>
-                    <a:p>
-                      <a:endParaRPr lang="fr-FR" dirty="0"/>
-                    </a:p>
-                  </a:txBody>
-                  <a:tcPr>
-                    <a:solidFill>
-                      <a:schemeClr val="bg2">
-                        <a:lumMod val="75000"/>
-                      </a:schemeClr>
-                    </a:solidFill>
-                  </a:tcPr>
-                </a:tc>
-                <a:extLst>
-                  <a:ext uri="{0D108BD9-81ED-4DB2-BD59-A6C34878D82A}">
-                    <a16:rowId xmlns:a16="http://schemas.microsoft.com/office/drawing/2014/main" val="1412416300"/>
-                  </a:ext>
-                </a:extLst>
-              </a:tr>
-              <a:tr h="857250">
-                <a:tc>
-                  <a:txBody>
-                    <a:bodyPr/>
-                    <a:lstStyle/>
-                    <a:p>
-                      <a:endParaRPr lang="fr-FR" dirty="0"/>
-                    </a:p>
-                  </a:txBody>
-                  <a:tcPr>
-                    <a:solidFill>
-                      <a:schemeClr val="bg2">
-                        <a:lumMod val="75000"/>
-                      </a:schemeClr>
-                    </a:solidFill>
-                  </a:tcPr>
-                </a:tc>
-                <a:extLst>
-                  <a:ext uri="{0D108BD9-81ED-4DB2-BD59-A6C34878D82A}">
-                    <a16:rowId xmlns:a16="http://schemas.microsoft.com/office/drawing/2014/main" val="1979382053"/>
-                  </a:ext>
-                </a:extLst>
-              </a:tr>
-              <a:tr h="857250">
-                <a:tc>
-                  <a:txBody>
-                    <a:bodyPr/>
-                    <a:lstStyle/>
-                    <a:p>
-                      <a:endParaRPr lang="fr-FR" dirty="0"/>
-                    </a:p>
-                  </a:txBody>
-                  <a:tcPr>
-                    <a:solidFill>
-                      <a:schemeClr val="bg2">
-                        <a:lumMod val="75000"/>
-                      </a:schemeClr>
-                    </a:solidFill>
-                  </a:tcPr>
-                </a:tc>
-                <a:extLst>
-                  <a:ext uri="{0D108BD9-81ED-4DB2-BD59-A6C34878D82A}">
-                    <a16:rowId xmlns:a16="http://schemas.microsoft.com/office/drawing/2014/main" val="2649744146"/>
                   </a:ext>
                 </a:extLst>
               </a:tr>
@@ -6650,25 +6553,18 @@
   <p:clrMapOvr>
     <a:masterClrMapping/>
   </p:clrMapOvr>
-  <mc:AlternateContent xmlns:mc="http://schemas.openxmlformats.org/markup-compatibility/2006">
-    <mc:Choice xmlns:p14="http://schemas.microsoft.com/office/powerpoint/2010/main" Requires="p14">
+  <mc:AlternateContent xmlns:mc="http://schemas.openxmlformats.org/markup-compatibility/2006" xmlns:p14="http://schemas.microsoft.com/office/powerpoint/2010/main">
+    <mc:Choice Requires="p14">
       <p:transition p14:dur="250">
         <p:fade/>
       </p:transition>
     </mc:Choice>
-    <mc:Fallback>
+    <mc:Fallback xmlns="">
       <p:transition>
         <p:fade/>
       </p:transition>
     </mc:Fallback>
   </mc:AlternateContent>
-  <p:timing>
-    <p:tnLst>
-      <p:par>
-        <p:cTn id="1" dur="indefinite" restart="never" nodeType="tmRoot"/>
-      </p:par>
-    </p:tnLst>
-  </p:timing>
 </p:sld>
 </file>
 
@@ -6689,6 +6585,180 @@
           <a:chExt cx="0" cy="0"/>
         </a:xfrm>
       </p:grpSpPr>
+      <p:graphicFrame>
+        <p:nvGraphicFramePr>
+          <p:cNvPr id="9" name="Tableau 8"/>
+          <p:cNvGraphicFramePr>
+            <a:graphicFrameLocks noGrp="1"/>
+          </p:cNvGraphicFramePr>
+          <p:nvPr>
+            <p:extLst>
+              <p:ext uri="{D42A27DB-BD31-4B8C-83A1-F6EECF244321}">
+                <p14:modId xmlns:p14="http://schemas.microsoft.com/office/powerpoint/2010/main" val="2956547855"/>
+              </p:ext>
+            </p:extLst>
+          </p:nvPr>
+        </p:nvGraphicFramePr>
+        <p:xfrm>
+          <a:off x="0" y="0"/>
+          <a:ext cx="1756229" cy="6857999"/>
+        </p:xfrm>
+        <a:graphic>
+          <a:graphicData uri="http://schemas.openxmlformats.org/drawingml/2006/table">
+            <a:tbl>
+              <a:tblPr firstRow="1" bandRow="1">
+                <a:tableStyleId>{0505E3EF-67EA-436B-97B2-0124C06EBD24}</a:tableStyleId>
+              </a:tblPr>
+              <a:tblGrid>
+                <a:gridCol w="1756229">
+                  <a:extLst>
+                    <a:ext uri="{9D8B030D-6E8A-4147-A177-3AD203B41FA5}">
+                      <a16:colId xmlns:a16="http://schemas.microsoft.com/office/drawing/2014/main" val="1719038655"/>
+                    </a:ext>
+                  </a:extLst>
+                </a:gridCol>
+              </a:tblGrid>
+              <a:tr h="1686393">
+                <a:tc>
+                  <a:txBody>
+                    <a:bodyPr/>
+                    <a:lstStyle/>
+                    <a:p>
+                      <a:endParaRPr lang="fr-FR" dirty="0"/>
+                    </a:p>
+                  </a:txBody>
+                  <a:tcPr>
+                    <a:solidFill>
+                      <a:schemeClr val="accent1">
+                        <a:lumMod val="20000"/>
+                        <a:lumOff val="80000"/>
+                      </a:schemeClr>
+                    </a:solidFill>
+                  </a:tcPr>
+                </a:tc>
+                <a:extLst>
+                  <a:ext uri="{0D108BD9-81ED-4DB2-BD59-A6C34878D82A}">
+                    <a16:rowId xmlns:a16="http://schemas.microsoft.com/office/drawing/2014/main" val="1220596282"/>
+                  </a:ext>
+                </a:extLst>
+              </a:tr>
+              <a:tr h="1686393">
+                <a:tc>
+                  <a:txBody>
+                    <a:bodyPr/>
+                    <a:lstStyle/>
+                    <a:p>
+                      <a:pPr algn="ctr"/>
+                      <a:r>
+                        <a:rPr lang="fr-FR" sz="1600" dirty="0">
+                          <a:solidFill>
+                            <a:schemeClr val="bg1"/>
+                          </a:solidFill>
+                          <a:latin typeface="Arial Black" panose="020B0A04020102020204" pitchFamily="34" charset="0"/>
+                        </a:rPr>
+                        <a:t>OBJECTIF DU PROJET</a:t>
+                      </a:r>
+                    </a:p>
+                  </a:txBody>
+                  <a:tcPr>
+                    <a:solidFill>
+                      <a:srgbClr val="FF0000"/>
+                    </a:solidFill>
+                  </a:tcPr>
+                </a:tc>
+                <a:extLst>
+                  <a:ext uri="{0D108BD9-81ED-4DB2-BD59-A6C34878D82A}">
+                    <a16:rowId xmlns:a16="http://schemas.microsoft.com/office/drawing/2014/main" val="2308382991"/>
+                  </a:ext>
+                </a:extLst>
+              </a:tr>
+              <a:tr h="1686393">
+                <a:tc>
+                  <a:txBody>
+                    <a:bodyPr/>
+                    <a:lstStyle/>
+                    <a:p>
+                      <a:pPr algn="ctr"/>
+                      <a:r>
+                        <a:rPr lang="fr-FR" sz="1600" dirty="0">
+                          <a:solidFill>
+                            <a:schemeClr val="bg1"/>
+                          </a:solidFill>
+                          <a:latin typeface="Arial Black" panose="020B0A04020102020204" pitchFamily="34" charset="0"/>
+                        </a:rPr>
+                        <a:t>REALISATION DU PROJET</a:t>
+                      </a:r>
+                    </a:p>
+                  </a:txBody>
+                  <a:tcPr>
+                    <a:solidFill>
+                      <a:schemeClr val="bg1">
+                        <a:lumMod val="65000"/>
+                      </a:schemeClr>
+                    </a:solidFill>
+                  </a:tcPr>
+                </a:tc>
+                <a:extLst>
+                  <a:ext uri="{0D108BD9-81ED-4DB2-BD59-A6C34878D82A}">
+                    <a16:rowId xmlns:a16="http://schemas.microsoft.com/office/drawing/2014/main" val="794713827"/>
+                  </a:ext>
+                </a:extLst>
+              </a:tr>
+              <a:tr h="1798820">
+                <a:tc>
+                  <a:txBody>
+                    <a:bodyPr/>
+                    <a:lstStyle/>
+                    <a:p>
+                      <a:pPr marL="0" marR="0" lvl="0" indent="0" algn="ctr" defTabSz="457200" rtl="0" eaLnBrk="1" fontAlgn="auto" latinLnBrk="0" hangingPunct="1">
+                        <a:lnSpc>
+                          <a:spcPct val="100000"/>
+                        </a:lnSpc>
+                        <a:spcBef>
+                          <a:spcPts val="0"/>
+                        </a:spcBef>
+                        <a:spcAft>
+                          <a:spcPts val="0"/>
+                        </a:spcAft>
+                        <a:buClrTx/>
+                        <a:buSzTx/>
+                        <a:buFontTx/>
+                        <a:buNone/>
+                        <a:tabLst/>
+                        <a:defRPr/>
+                      </a:pPr>
+                      <a:r>
+                        <a:rPr lang="fr-FR" sz="1600" dirty="0">
+                          <a:solidFill>
+                            <a:schemeClr val="bg1"/>
+                          </a:solidFill>
+                          <a:latin typeface="Arial Black" panose="020B0A04020102020204" pitchFamily="34" charset="0"/>
+                        </a:rPr>
+                        <a:t>CONCLUSION</a:t>
+                      </a:r>
+                    </a:p>
+                    <a:p>
+                      <a:endParaRPr lang="fr-FR" dirty="0"/>
+                    </a:p>
+                  </a:txBody>
+                  <a:tcPr>
+                    <a:solidFill>
+                      <a:schemeClr val="bg1">
+                        <a:lumMod val="65000"/>
+                      </a:schemeClr>
+                    </a:solidFill>
+                  </a:tcPr>
+                </a:tc>
+                <a:extLst>
+                  <a:ext uri="{0D108BD9-81ED-4DB2-BD59-A6C34878D82A}">
+                    <a16:rowId xmlns:a16="http://schemas.microsoft.com/office/drawing/2014/main" val="2634199983"/>
+                  </a:ext>
+                </a:extLst>
+              </a:tr>
+            </a:tbl>
+          </a:graphicData>
+        </a:graphic>
+      </p:graphicFrame>
       <p:pic>
         <p:nvPicPr>
           <p:cNvPr id="3" name="Image 2"/>
@@ -6759,17 +6829,8 @@
           <a:lstStyle/>
           <a:p>
             <a:pPr algn="ctr"/>
-            <a:r>
-              <a:rPr lang="fr-FR" sz="4400" dirty="0" smtClean="0">
-                <a:solidFill>
-                  <a:schemeClr val="tx1"/>
-                </a:solidFill>
-                <a:latin typeface="Arial Black" panose="020B0A04020102020204" pitchFamily="34" charset="0"/>
-              </a:rPr>
-              <a:t/>
-            </a:r>
             <a:br>
-              <a:rPr lang="fr-FR" sz="4400" dirty="0" smtClean="0">
+              <a:rPr lang="fr-FR" sz="4400" dirty="0">
                 <a:solidFill>
                   <a:schemeClr val="tx1"/>
                 </a:solidFill>
@@ -6777,7 +6838,7 @@
               </a:rPr>
             </a:br>
             <a:r>
-              <a:rPr lang="fr-FR" sz="4400" dirty="0" smtClean="0">
+              <a:rPr lang="fr-FR" sz="4400" dirty="0">
                 <a:solidFill>
                   <a:schemeClr val="tx1"/>
                 </a:solidFill>
@@ -6786,58 +6847,31 @@
               <a:t>TYPE STATIQUE</a:t>
             </a:r>
             <a:br>
-              <a:rPr lang="fr-FR" sz="4400" dirty="0" smtClean="0">
+              <a:rPr lang="fr-FR" sz="4400" dirty="0">
                 <a:solidFill>
                   <a:schemeClr val="tx1"/>
                 </a:solidFill>
                 <a:latin typeface="Arial Black" panose="020B0A04020102020204" pitchFamily="34" charset="0"/>
               </a:rPr>
             </a:br>
-            <a:r>
-              <a:rPr lang="fr-FR" sz="4400" dirty="0" smtClean="0">
-                <a:solidFill>
-                  <a:schemeClr val="tx1"/>
-                </a:solidFill>
-                <a:latin typeface="Arial Black" panose="020B0A04020102020204" pitchFamily="34" charset="0"/>
-              </a:rPr>
-              <a:t/>
-            </a:r>
             <a:br>
-              <a:rPr lang="fr-FR" sz="4400" dirty="0" smtClean="0">
+              <a:rPr lang="fr-FR" sz="4400" dirty="0">
                 <a:solidFill>
                   <a:schemeClr val="tx1"/>
                 </a:solidFill>
                 <a:latin typeface="Arial Black" panose="020B0A04020102020204" pitchFamily="34" charset="0"/>
               </a:rPr>
             </a:br>
-            <a:r>
-              <a:rPr lang="fr-FR" sz="4400" dirty="0" smtClean="0">
-                <a:solidFill>
-                  <a:schemeClr val="tx1"/>
-                </a:solidFill>
-                <a:latin typeface="Arial Black" panose="020B0A04020102020204" pitchFamily="34" charset="0"/>
-              </a:rPr>
-              <a:t/>
-            </a:r>
             <a:br>
-              <a:rPr lang="fr-FR" sz="4400" dirty="0" smtClean="0">
+              <a:rPr lang="fr-FR" sz="4400" dirty="0">
                 <a:solidFill>
                   <a:schemeClr val="tx1"/>
                 </a:solidFill>
                 <a:latin typeface="Arial Black" panose="020B0A04020102020204" pitchFamily="34" charset="0"/>
               </a:rPr>
             </a:br>
-            <a:r>
-              <a:rPr lang="fr-FR" sz="4400" dirty="0" smtClean="0">
-                <a:solidFill>
-                  <a:schemeClr val="tx1"/>
-                </a:solidFill>
-                <a:latin typeface="Arial Black" panose="020B0A04020102020204" pitchFamily="34" charset="0"/>
-              </a:rPr>
-              <a:t/>
-            </a:r>
             <a:br>
-              <a:rPr lang="fr-FR" sz="4400" dirty="0" smtClean="0">
+              <a:rPr lang="fr-FR" sz="4400" dirty="0">
                 <a:solidFill>
                   <a:schemeClr val="tx1"/>
                 </a:solidFill>
@@ -6845,7 +6879,7 @@
               </a:rPr>
             </a:br>
             <a:r>
-              <a:rPr lang="fr-FR" sz="4400" dirty="0" smtClean="0">
+              <a:rPr lang="fr-FR" sz="4400" dirty="0">
                 <a:solidFill>
                   <a:schemeClr val="tx1"/>
                 </a:solidFill>
@@ -6854,7 +6888,7 @@
               <a:t>TYPE DYNAMIQUE</a:t>
             </a:r>
             <a:br>
-              <a:rPr lang="fr-FR" sz="4400" dirty="0" smtClean="0">
+              <a:rPr lang="fr-FR" sz="4400" dirty="0">
                 <a:solidFill>
                   <a:schemeClr val="tx1"/>
                 </a:solidFill>
@@ -6870,256 +6904,6 @@
           </a:p>
         </p:txBody>
       </p:sp>
-      <p:graphicFrame>
-        <p:nvGraphicFramePr>
-          <p:cNvPr id="5" name="Tableau 4"/>
-          <p:cNvGraphicFramePr>
-            <a:graphicFrameLocks noGrp="1"/>
-          </p:cNvGraphicFramePr>
-          <p:nvPr>
-            <p:extLst>
-              <p:ext uri="{D42A27DB-BD31-4B8C-83A1-F6EECF244321}">
-                <p14:modId xmlns:p14="http://schemas.microsoft.com/office/powerpoint/2010/main" val="2887827052"/>
-              </p:ext>
-            </p:extLst>
-          </p:nvPr>
-        </p:nvGraphicFramePr>
-        <p:xfrm>
-          <a:off x="0" y="0"/>
-          <a:ext cx="1756229" cy="6858000"/>
-        </p:xfrm>
-        <a:graphic>
-          <a:graphicData uri="http://schemas.openxmlformats.org/drawingml/2006/table">
-            <a:tbl>
-              <a:tblPr firstRow="1" bandRow="1">
-                <a:tableStyleId>{0505E3EF-67EA-436B-97B2-0124C06EBD24}</a:tableStyleId>
-              </a:tblPr>
-              <a:tblGrid>
-                <a:gridCol w="1756229">
-                  <a:extLst>
-                    <a:ext uri="{9D8B030D-6E8A-4147-A177-3AD203B41FA5}">
-                      <a16:colId xmlns:a16="http://schemas.microsoft.com/office/drawing/2014/main" val="1719038655"/>
-                    </a:ext>
-                  </a:extLst>
-                </a:gridCol>
-              </a:tblGrid>
-              <a:tr h="857250">
-                <a:tc>
-                  <a:txBody>
-                    <a:bodyPr/>
-                    <a:lstStyle/>
-                    <a:p>
-                      <a:endParaRPr lang="fr-FR" dirty="0"/>
-                    </a:p>
-                  </a:txBody>
-                  <a:tcPr>
-                    <a:solidFill>
-                      <a:schemeClr val="accent1">
-                        <a:lumMod val="20000"/>
-                        <a:lumOff val="80000"/>
-                      </a:schemeClr>
-                    </a:solidFill>
-                  </a:tcPr>
-                </a:tc>
-                <a:extLst>
-                  <a:ext uri="{0D108BD9-81ED-4DB2-BD59-A6C34878D82A}">
-                    <a16:rowId xmlns:a16="http://schemas.microsoft.com/office/drawing/2014/main" val="1220596282"/>
-                  </a:ext>
-                </a:extLst>
-              </a:tr>
-              <a:tr h="857250">
-                <a:tc>
-                  <a:txBody>
-                    <a:bodyPr/>
-                    <a:lstStyle/>
-                    <a:p>
-                      <a:pPr algn="ctr"/>
-                      <a:r>
-                        <a:rPr lang="fr-FR" sz="1600" dirty="0" smtClean="0">
-                          <a:solidFill>
-                            <a:schemeClr val="bg1"/>
-                          </a:solidFill>
-                          <a:latin typeface="Arial Black" panose="020B0A04020102020204" pitchFamily="34" charset="0"/>
-                        </a:rPr>
-                        <a:t>OBJECTIF DU PROJET</a:t>
-                      </a:r>
-                      <a:endParaRPr lang="fr-FR" sz="1600" dirty="0">
-                        <a:solidFill>
-                          <a:schemeClr val="bg1"/>
-                        </a:solidFill>
-                        <a:latin typeface="Arial Black" panose="020B0A04020102020204" pitchFamily="34" charset="0"/>
-                      </a:endParaRPr>
-                    </a:p>
-                  </a:txBody>
-                  <a:tcPr>
-                    <a:solidFill>
-                      <a:schemeClr val="bg2"/>
-                    </a:solidFill>
-                  </a:tcPr>
-                </a:tc>
-                <a:extLst>
-                  <a:ext uri="{0D108BD9-81ED-4DB2-BD59-A6C34878D82A}">
-                    <a16:rowId xmlns:a16="http://schemas.microsoft.com/office/drawing/2014/main" val="2308382991"/>
-                  </a:ext>
-                </a:extLst>
-              </a:tr>
-              <a:tr h="857250">
-                <a:tc>
-                  <a:txBody>
-                    <a:bodyPr/>
-                    <a:lstStyle/>
-                    <a:p>
-                      <a:pPr algn="ctr"/>
-                      <a:r>
-                        <a:rPr lang="fr-FR" sz="1600" dirty="0" smtClean="0">
-                          <a:solidFill>
-                            <a:schemeClr val="bg1"/>
-                          </a:solidFill>
-                          <a:latin typeface="Arial Black" panose="020B0A04020102020204" pitchFamily="34" charset="0"/>
-                        </a:rPr>
-                        <a:t>REALISATION DU PROJET</a:t>
-                      </a:r>
-                      <a:endParaRPr lang="fr-FR" sz="1600" dirty="0">
-                        <a:solidFill>
-                          <a:schemeClr val="bg1"/>
-                        </a:solidFill>
-                        <a:latin typeface="Arial Black" panose="020B0A04020102020204" pitchFamily="34" charset="0"/>
-                      </a:endParaRPr>
-                    </a:p>
-                  </a:txBody>
-                  <a:tcPr>
-                    <a:solidFill>
-                      <a:schemeClr val="bg2">
-                        <a:lumMod val="75000"/>
-                      </a:schemeClr>
-                    </a:solidFill>
-                  </a:tcPr>
-                </a:tc>
-                <a:extLst>
-                  <a:ext uri="{0D108BD9-81ED-4DB2-BD59-A6C34878D82A}">
-                    <a16:rowId xmlns:a16="http://schemas.microsoft.com/office/drawing/2014/main" val="794713827"/>
-                  </a:ext>
-                </a:extLst>
-              </a:tr>
-              <a:tr h="857250">
-                <a:tc>
-                  <a:txBody>
-                    <a:bodyPr/>
-                    <a:lstStyle/>
-                    <a:p>
-                      <a:endParaRPr lang="fr-FR" dirty="0"/>
-                    </a:p>
-                  </a:txBody>
-                  <a:tcPr>
-                    <a:solidFill>
-                      <a:schemeClr val="bg2">
-                        <a:lumMod val="75000"/>
-                      </a:schemeClr>
-                    </a:solidFill>
-                  </a:tcPr>
-                </a:tc>
-                <a:extLst>
-                  <a:ext uri="{0D108BD9-81ED-4DB2-BD59-A6C34878D82A}">
-                    <a16:rowId xmlns:a16="http://schemas.microsoft.com/office/drawing/2014/main" val="2634199983"/>
-                  </a:ext>
-                </a:extLst>
-              </a:tr>
-              <a:tr h="857250">
-                <a:tc>
-                  <a:txBody>
-                    <a:bodyPr/>
-                    <a:lstStyle/>
-                    <a:p>
-                      <a:endParaRPr lang="fr-FR" dirty="0"/>
-                    </a:p>
-                  </a:txBody>
-                  <a:tcPr>
-                    <a:solidFill>
-                      <a:schemeClr val="bg2">
-                        <a:lumMod val="75000"/>
-                      </a:schemeClr>
-                    </a:solidFill>
-                  </a:tcPr>
-                </a:tc>
-                <a:extLst>
-                  <a:ext uri="{0D108BD9-81ED-4DB2-BD59-A6C34878D82A}">
-                    <a16:rowId xmlns:a16="http://schemas.microsoft.com/office/drawing/2014/main" val="2052153569"/>
-                  </a:ext>
-                </a:extLst>
-              </a:tr>
-              <a:tr h="857250">
-                <a:tc>
-                  <a:txBody>
-                    <a:bodyPr/>
-                    <a:lstStyle/>
-                    <a:p>
-                      <a:endParaRPr lang="fr-FR" dirty="0"/>
-                    </a:p>
-                  </a:txBody>
-                  <a:tcPr>
-                    <a:solidFill>
-                      <a:schemeClr val="bg2">
-                        <a:lumMod val="75000"/>
-                      </a:schemeClr>
-                    </a:solidFill>
-                  </a:tcPr>
-                </a:tc>
-                <a:extLst>
-                  <a:ext uri="{0D108BD9-81ED-4DB2-BD59-A6C34878D82A}">
-                    <a16:rowId xmlns:a16="http://schemas.microsoft.com/office/drawing/2014/main" val="1412416300"/>
-                  </a:ext>
-                </a:extLst>
-              </a:tr>
-              <a:tr h="857250">
-                <a:tc>
-                  <a:txBody>
-                    <a:bodyPr/>
-                    <a:lstStyle/>
-                    <a:p>
-                      <a:endParaRPr lang="fr-FR" dirty="0"/>
-                    </a:p>
-                  </a:txBody>
-                  <a:tcPr>
-                    <a:solidFill>
-                      <a:schemeClr val="bg2">
-                        <a:lumMod val="75000"/>
-                      </a:schemeClr>
-                    </a:solidFill>
-                  </a:tcPr>
-                </a:tc>
-                <a:extLst>
-                  <a:ext uri="{0D108BD9-81ED-4DB2-BD59-A6C34878D82A}">
-                    <a16:rowId xmlns:a16="http://schemas.microsoft.com/office/drawing/2014/main" val="1979382053"/>
-                  </a:ext>
-                </a:extLst>
-              </a:tr>
-              <a:tr h="857250">
-                <a:tc>
-                  <a:txBody>
-                    <a:bodyPr/>
-                    <a:lstStyle/>
-                    <a:p>
-                      <a:endParaRPr lang="fr-FR" dirty="0"/>
-                    </a:p>
-                  </a:txBody>
-                  <a:tcPr>
-                    <a:solidFill>
-                      <a:schemeClr val="bg2">
-                        <a:lumMod val="75000"/>
-                      </a:schemeClr>
-                    </a:solidFill>
-                  </a:tcPr>
-                </a:tc>
-                <a:extLst>
-                  <a:ext uri="{0D108BD9-81ED-4DB2-BD59-A6C34878D82A}">
-                    <a16:rowId xmlns:a16="http://schemas.microsoft.com/office/drawing/2014/main" val="2649744146"/>
-                  </a:ext>
-                </a:extLst>
-              </a:tr>
-            </a:tbl>
-          </a:graphicData>
-        </a:graphic>
-      </p:graphicFrame>
       <p:pic>
         <p:nvPicPr>
           <p:cNvPr id="1028" name="Picture 4" descr="Afficher l'image d'origine"/>
@@ -7173,25 +6957,18 @@
   <p:clrMapOvr>
     <a:masterClrMapping/>
   </p:clrMapOvr>
-  <mc:AlternateContent xmlns:mc="http://schemas.openxmlformats.org/markup-compatibility/2006">
-    <mc:Choice xmlns:p14="http://schemas.microsoft.com/office/powerpoint/2010/main" Requires="p14">
+  <mc:AlternateContent xmlns:mc="http://schemas.openxmlformats.org/markup-compatibility/2006" xmlns:p14="http://schemas.microsoft.com/office/powerpoint/2010/main">
+    <mc:Choice Requires="p14">
       <p:transition p14:dur="250">
         <p:fade/>
       </p:transition>
     </mc:Choice>
-    <mc:Fallback>
+    <mc:Fallback xmlns="">
       <p:transition>
         <p:fade/>
       </p:transition>
     </mc:Fallback>
   </mc:AlternateContent>
-  <p:timing>
-    <p:tnLst>
-      <p:par>
-        <p:cTn id="1" dur="indefinite" restart="never" nodeType="tmRoot"/>
-      </p:par>
-    </p:tnLst>
-  </p:timing>
 </p:sld>
 </file>
 
@@ -7212,58 +6989,23 @@
           <a:chExt cx="0" cy="0"/>
         </a:xfrm>
       </p:grpSpPr>
-      <p:sp>
-        <p:nvSpPr>
-          <p:cNvPr id="2" name="Titre 1"/>
-          <p:cNvSpPr>
-            <a:spLocks noGrp="1"/>
-          </p:cNvSpPr>
-          <p:nvPr>
-            <p:ph type="title"/>
-          </p:nvPr>
-        </p:nvSpPr>
-        <p:spPr>
-          <a:xfrm>
-            <a:off x="1756230" y="2336920"/>
-            <a:ext cx="8193314" cy="2126222"/>
-          </a:xfrm>
-        </p:spPr>
-        <p:txBody>
-          <a:bodyPr>
-            <a:noAutofit/>
-          </a:bodyPr>
-          <a:lstStyle/>
-          <a:p>
-            <a:pPr algn="ctr"/>
-            <a:r>
-              <a:rPr lang="fr-FR" sz="7200" dirty="0" smtClean="0">
-                <a:latin typeface="Arial Black" panose="020B0A04020102020204" pitchFamily="34" charset="0"/>
-              </a:rPr>
-              <a:t>REALISATION DU PROJET</a:t>
-            </a:r>
-            <a:endParaRPr lang="fr-FR" sz="7200" dirty="0">
-              <a:latin typeface="Arial Black" panose="020B0A04020102020204" pitchFamily="34" charset="0"/>
-            </a:endParaRPr>
-          </a:p>
-        </p:txBody>
-      </p:sp>
       <p:graphicFrame>
         <p:nvGraphicFramePr>
-          <p:cNvPr id="5" name="Tableau 4"/>
+          <p:cNvPr id="6" name="Tableau 5"/>
           <p:cNvGraphicFramePr>
             <a:graphicFrameLocks noGrp="1"/>
           </p:cNvGraphicFramePr>
           <p:nvPr>
             <p:extLst>
               <p:ext uri="{D42A27DB-BD31-4B8C-83A1-F6EECF244321}">
-                <p14:modId xmlns:p14="http://schemas.microsoft.com/office/powerpoint/2010/main" val="2623679774"/>
+                <p14:modId xmlns:p14="http://schemas.microsoft.com/office/powerpoint/2010/main" val="2453864625"/>
               </p:ext>
             </p:extLst>
           </p:nvPr>
         </p:nvGraphicFramePr>
         <p:xfrm>
           <a:off x="0" y="0"/>
-          <a:ext cx="1756229" cy="6858000"/>
+          <a:ext cx="1756229" cy="6857999"/>
         </p:xfrm>
         <a:graphic>
           <a:graphicData uri="http://schemas.openxmlformats.org/drawingml/2006/table">
@@ -7280,7 +7022,7 @@
                   </a:extLst>
                 </a:gridCol>
               </a:tblGrid>
-              <a:tr h="857250">
+              <a:tr h="1686393">
                 <a:tc>
                   <a:txBody>
                     <a:bodyPr/>
@@ -7304,7 +7046,7 @@
                   </a:ext>
                 </a:extLst>
               </a:tr>
-              <a:tr h="857250">
+              <a:tr h="1686393">
                 <a:tc>
                   <a:txBody>
                     <a:bodyPr/>
@@ -7312,7 +7054,7 @@
                     <a:p>
                       <a:pPr algn="ctr"/>
                       <a:r>
-                        <a:rPr lang="fr-FR" sz="1600" dirty="0" smtClean="0">
+                        <a:rPr lang="fr-FR" sz="1600" dirty="0">
                           <a:solidFill>
                             <a:schemeClr val="bg1"/>
                           </a:solidFill>
@@ -7320,17 +7062,13 @@
                         </a:rPr>
                         <a:t>OBJECTIF DU PROJET</a:t>
                       </a:r>
-                      <a:endParaRPr lang="fr-FR" sz="1600" dirty="0">
-                        <a:solidFill>
-                          <a:schemeClr val="bg1"/>
-                        </a:solidFill>
-                        <a:latin typeface="Arial Black" panose="020B0A04020102020204" pitchFamily="34" charset="0"/>
-                      </a:endParaRPr>
                     </a:p>
                   </a:txBody>
                   <a:tcPr>
                     <a:solidFill>
-                      <a:schemeClr val="accent2"/>
+                      <a:schemeClr val="bg1">
+                        <a:lumMod val="65000"/>
+                      </a:schemeClr>
                     </a:solidFill>
                   </a:tcPr>
                 </a:tc>
@@ -7340,7 +7078,7 @@
                   </a:ext>
                 </a:extLst>
               </a:tr>
-              <a:tr h="857250">
+              <a:tr h="1686393">
                 <a:tc>
                   <a:txBody>
                     <a:bodyPr/>
@@ -7348,34 +7086,19 @@
                     <a:p>
                       <a:pPr algn="ctr"/>
                       <a:r>
-                        <a:rPr lang="fr-FR" sz="1600" dirty="0" smtClean="0">
+                        <a:rPr lang="fr-FR" sz="1600" dirty="0">
                           <a:solidFill>
                             <a:schemeClr val="bg1"/>
                           </a:solidFill>
                           <a:latin typeface="Arial Black" panose="020B0A04020102020204" pitchFamily="34" charset="0"/>
                         </a:rPr>
-                        <a:t>REALISATION</a:t>
+                        <a:t>REALISATION DU PROJET</a:t>
                       </a:r>
-                      <a:r>
-                        <a:rPr lang="fr-FR" sz="1600" baseline="0" dirty="0" smtClean="0">
-                          <a:solidFill>
-                            <a:schemeClr val="bg1"/>
-                          </a:solidFill>
-                          <a:latin typeface="Arial Black" panose="020B0A04020102020204" pitchFamily="34" charset="0"/>
-                        </a:rPr>
-                        <a:t> DU PROJET</a:t>
-                      </a:r>
-                      <a:endParaRPr lang="fr-FR" sz="1600" dirty="0">
-                        <a:solidFill>
-                          <a:schemeClr val="bg1"/>
-                        </a:solidFill>
-                        <a:latin typeface="Arial Black" panose="020B0A04020102020204" pitchFamily="34" charset="0"/>
-                      </a:endParaRPr>
                     </a:p>
                   </a:txBody>
                   <a:tcPr>
                     <a:solidFill>
-                      <a:schemeClr val="bg2"/>
+                      <a:srgbClr val="FF0000"/>
                     </a:solidFill>
                   </a:tcPr>
                 </a:tc>
@@ -7385,19 +7108,47 @@
                   </a:ext>
                 </a:extLst>
               </a:tr>
-              <a:tr h="857250">
+              <a:tr h="1798820">
                 <a:tc>
                   <a:txBody>
                     <a:bodyPr/>
                     <a:lstStyle/>
+                    <a:p>
+                      <a:pPr marL="0" marR="0" lvl="0" indent="0" algn="ctr" defTabSz="457200" rtl="0" eaLnBrk="1" fontAlgn="auto" latinLnBrk="0" hangingPunct="1">
+                        <a:lnSpc>
+                          <a:spcPct val="100000"/>
+                        </a:lnSpc>
+                        <a:spcBef>
+                          <a:spcPts val="0"/>
+                        </a:spcBef>
+                        <a:spcAft>
+                          <a:spcPts val="0"/>
+                        </a:spcAft>
+                        <a:buClrTx/>
+                        <a:buSzTx/>
+                        <a:buFontTx/>
+                        <a:buNone/>
+                        <a:tabLst/>
+                        <a:defRPr/>
+                      </a:pPr>
+                      <a:r>
+                        <a:rPr lang="fr-FR" sz="1600" dirty="0">
+                          <a:solidFill>
+                            <a:schemeClr val="bg1"/>
+                          </a:solidFill>
+                          <a:latin typeface="Arial Black" panose="020B0A04020102020204" pitchFamily="34" charset="0"/>
+                        </a:rPr>
+                        <a:t>CONCLUSION</a:t>
+                      </a:r>
+                    </a:p>
                     <a:p>
                       <a:endParaRPr lang="fr-FR" dirty="0"/>
                     </a:p>
                   </a:txBody>
                   <a:tcPr>
                     <a:solidFill>
-                      <a:schemeClr val="bg2">
-                        <a:lumMod val="75000"/>
+                      <a:schemeClr val="bg1">
+                        <a:lumMod val="65000"/>
                       </a:schemeClr>
                     </a:solidFill>
                   </a:tcPr>
@@ -7408,102 +7159,42 @@
                   </a:ext>
                 </a:extLst>
               </a:tr>
-              <a:tr h="857250">
-                <a:tc>
-                  <a:txBody>
-                    <a:bodyPr/>
-                    <a:lstStyle/>
-                    <a:p>
-                      <a:endParaRPr lang="fr-FR" dirty="0"/>
-                    </a:p>
-                  </a:txBody>
-                  <a:tcPr>
-                    <a:solidFill>
-                      <a:schemeClr val="bg2">
-                        <a:lumMod val="75000"/>
-                      </a:schemeClr>
-                    </a:solidFill>
-                  </a:tcPr>
-                </a:tc>
-                <a:extLst>
-                  <a:ext uri="{0D108BD9-81ED-4DB2-BD59-A6C34878D82A}">
-                    <a16:rowId xmlns:a16="http://schemas.microsoft.com/office/drawing/2014/main" val="2052153569"/>
-                  </a:ext>
-                </a:extLst>
-              </a:tr>
-              <a:tr h="857250">
-                <a:tc>
-                  <a:txBody>
-                    <a:bodyPr/>
-                    <a:lstStyle/>
-                    <a:p>
-                      <a:endParaRPr lang="fr-FR" dirty="0"/>
-                    </a:p>
-                  </a:txBody>
-                  <a:tcPr>
-                    <a:solidFill>
-                      <a:schemeClr val="bg2">
-                        <a:lumMod val="75000"/>
-                      </a:schemeClr>
-                    </a:solidFill>
-                  </a:tcPr>
-                </a:tc>
-                <a:extLst>
-                  <a:ext uri="{0D108BD9-81ED-4DB2-BD59-A6C34878D82A}">
-                    <a16:rowId xmlns:a16="http://schemas.microsoft.com/office/drawing/2014/main" val="1412416300"/>
-                  </a:ext>
-                </a:extLst>
-              </a:tr>
-              <a:tr h="857250">
-                <a:tc>
-                  <a:txBody>
-                    <a:bodyPr/>
-                    <a:lstStyle/>
-                    <a:p>
-                      <a:endParaRPr lang="fr-FR" dirty="0"/>
-                    </a:p>
-                  </a:txBody>
-                  <a:tcPr>
-                    <a:solidFill>
-                      <a:schemeClr val="bg2">
-                        <a:lumMod val="75000"/>
-                      </a:schemeClr>
-                    </a:solidFill>
-                  </a:tcPr>
-                </a:tc>
-                <a:extLst>
-                  <a:ext uri="{0D108BD9-81ED-4DB2-BD59-A6C34878D82A}">
-                    <a16:rowId xmlns:a16="http://schemas.microsoft.com/office/drawing/2014/main" val="1979382053"/>
-                  </a:ext>
-                </a:extLst>
-              </a:tr>
-              <a:tr h="857250">
-                <a:tc>
-                  <a:txBody>
-                    <a:bodyPr/>
-                    <a:lstStyle/>
-                    <a:p>
-                      <a:endParaRPr lang="fr-FR" dirty="0"/>
-                    </a:p>
-                  </a:txBody>
-                  <a:tcPr>
-                    <a:solidFill>
-                      <a:schemeClr val="bg2">
-                        <a:lumMod val="75000"/>
-                      </a:schemeClr>
-                    </a:solidFill>
-                  </a:tcPr>
-                </a:tc>
-                <a:extLst>
-                  <a:ext uri="{0D108BD9-81ED-4DB2-BD59-A6C34878D82A}">
-                    <a16:rowId xmlns:a16="http://schemas.microsoft.com/office/drawing/2014/main" val="2649744146"/>
-                  </a:ext>
-                </a:extLst>
-              </a:tr>
             </a:tbl>
           </a:graphicData>
         </a:graphic>
       </p:graphicFrame>
+      <p:sp>
+        <p:nvSpPr>
+          <p:cNvPr id="2" name="Titre 1"/>
+          <p:cNvSpPr>
+            <a:spLocks noGrp="1"/>
+          </p:cNvSpPr>
+          <p:nvPr>
+            <p:ph type="title"/>
+          </p:nvPr>
+        </p:nvSpPr>
+        <p:spPr>
+          <a:xfrm>
+            <a:off x="1756230" y="2336920"/>
+            <a:ext cx="8193314" cy="2126222"/>
+          </a:xfrm>
+        </p:spPr>
+        <p:txBody>
+          <a:bodyPr>
+            <a:noAutofit/>
+          </a:bodyPr>
+          <a:lstStyle/>
+          <a:p>
+            <a:pPr algn="ctr"/>
+            <a:r>
+              <a:rPr lang="fr-FR" sz="7200" dirty="0">
+                <a:latin typeface="Arial Black" panose="020B0A04020102020204" pitchFamily="34" charset="0"/>
+              </a:rPr>
+              <a:t>REALISATION DU PROJET</a:t>
+            </a:r>
+          </a:p>
+        </p:txBody>
+      </p:sp>
       <p:pic>
         <p:nvPicPr>
           <p:cNvPr id="1028" name="Picture 4" descr="Afficher l'image d'origine"/>
@@ -7557,25 +7248,18 @@
   <p:clrMapOvr>
     <a:masterClrMapping/>
   </p:clrMapOvr>
-  <mc:AlternateContent xmlns:mc="http://schemas.openxmlformats.org/markup-compatibility/2006">
-    <mc:Choice xmlns:p14="http://schemas.microsoft.com/office/powerpoint/2010/main" Requires="p14">
+  <mc:AlternateContent xmlns:mc="http://schemas.openxmlformats.org/markup-compatibility/2006" xmlns:p14="http://schemas.microsoft.com/office/powerpoint/2010/main">
+    <mc:Choice Requires="p14">
       <p:transition p14:dur="250">
         <p:fade/>
       </p:transition>
     </mc:Choice>
-    <mc:Fallback>
+    <mc:Fallback xmlns="">
       <p:transition>
         <p:fade/>
       </p:transition>
     </mc:Fallback>
   </mc:AlternateContent>
-  <p:timing>
-    <p:tnLst>
-      <p:par>
-        <p:cTn id="1" dur="indefinite" restart="never" nodeType="tmRoot"/>
-      </p:par>
-    </p:tnLst>
-  </p:timing>
 </p:sld>
 </file>
 
@@ -7596,64 +7280,23 @@
           <a:chExt cx="0" cy="0"/>
         </a:xfrm>
       </p:grpSpPr>
-      <p:sp>
-        <p:nvSpPr>
-          <p:cNvPr id="2" name="Titre 1"/>
-          <p:cNvSpPr>
-            <a:spLocks noGrp="1"/>
-          </p:cNvSpPr>
-          <p:nvPr>
-            <p:ph type="title"/>
-          </p:nvPr>
-        </p:nvSpPr>
-        <p:spPr>
-          <a:xfrm>
-            <a:off x="1756230" y="0"/>
-            <a:ext cx="7583714" cy="1828800"/>
-          </a:xfrm>
-        </p:spPr>
-        <p:txBody>
-          <a:bodyPr>
-            <a:noAutofit/>
-          </a:bodyPr>
-          <a:lstStyle/>
-          <a:p>
-            <a:pPr algn="ctr"/>
-            <a:r>
-              <a:rPr lang="fr-FR" sz="4400" dirty="0" smtClean="0">
-                <a:solidFill>
-                  <a:schemeClr val="tx1"/>
-                </a:solidFill>
-                <a:latin typeface="Arial Black" panose="020B0A04020102020204" pitchFamily="34" charset="0"/>
-              </a:rPr>
-              <a:t>TYPE STATIQUE</a:t>
-            </a:r>
-            <a:endParaRPr lang="fr-FR" sz="4400" dirty="0">
-              <a:solidFill>
-                <a:schemeClr val="tx1"/>
-              </a:solidFill>
-              <a:latin typeface="Arial Black" panose="020B0A04020102020204" pitchFamily="34" charset="0"/>
-            </a:endParaRPr>
-          </a:p>
-        </p:txBody>
-      </p:sp>
       <p:graphicFrame>
         <p:nvGraphicFramePr>
-          <p:cNvPr id="5" name="Tableau 4"/>
+          <p:cNvPr id="11" name="Tableau 10"/>
           <p:cNvGraphicFramePr>
             <a:graphicFrameLocks noGrp="1"/>
           </p:cNvGraphicFramePr>
           <p:nvPr>
             <p:extLst>
               <p:ext uri="{D42A27DB-BD31-4B8C-83A1-F6EECF244321}">
-                <p14:modId xmlns:p14="http://schemas.microsoft.com/office/powerpoint/2010/main" val="2623679774"/>
+                <p14:modId xmlns:p14="http://schemas.microsoft.com/office/powerpoint/2010/main" val="2137057634"/>
               </p:ext>
             </p:extLst>
           </p:nvPr>
         </p:nvGraphicFramePr>
         <p:xfrm>
           <a:off x="0" y="0"/>
-          <a:ext cx="1756229" cy="6858000"/>
+          <a:ext cx="1756229" cy="6857999"/>
         </p:xfrm>
         <a:graphic>
           <a:graphicData uri="http://schemas.openxmlformats.org/drawingml/2006/table">
@@ -7670,7 +7313,7 @@
                   </a:extLst>
                 </a:gridCol>
               </a:tblGrid>
-              <a:tr h="857250">
+              <a:tr h="1686393">
                 <a:tc>
                   <a:txBody>
                     <a:bodyPr/>
@@ -7694,7 +7337,7 @@
                   </a:ext>
                 </a:extLst>
               </a:tr>
-              <a:tr h="857250">
+              <a:tr h="1686393">
                 <a:tc>
                   <a:txBody>
                     <a:bodyPr/>
@@ -7702,7 +7345,7 @@
                     <a:p>
                       <a:pPr algn="ctr"/>
                       <a:r>
-                        <a:rPr lang="fr-FR" sz="1600" dirty="0" smtClean="0">
+                        <a:rPr lang="fr-FR" sz="1600" dirty="0">
                           <a:solidFill>
                             <a:schemeClr val="bg1"/>
                           </a:solidFill>
@@ -7710,17 +7353,13 @@
                         </a:rPr>
                         <a:t>OBJECTIF DU PROJET</a:t>
                       </a:r>
-                      <a:endParaRPr lang="fr-FR" sz="1600" dirty="0">
-                        <a:solidFill>
-                          <a:schemeClr val="bg1"/>
-                        </a:solidFill>
-                        <a:latin typeface="Arial Black" panose="020B0A04020102020204" pitchFamily="34" charset="0"/>
-                      </a:endParaRPr>
                     </a:p>
                   </a:txBody>
                   <a:tcPr>
                     <a:solidFill>
-                      <a:schemeClr val="accent2"/>
+                      <a:schemeClr val="bg1">
+                        <a:lumMod val="65000"/>
+                      </a:schemeClr>
                     </a:solidFill>
                   </a:tcPr>
                 </a:tc>
@@ -7730,7 +7369,7 @@
                   </a:ext>
                 </a:extLst>
               </a:tr>
-              <a:tr h="857250">
+              <a:tr h="1686393">
                 <a:tc>
                   <a:txBody>
                     <a:bodyPr/>
@@ -7738,34 +7377,19 @@
                     <a:p>
                       <a:pPr algn="ctr"/>
                       <a:r>
-                        <a:rPr lang="fr-FR" sz="1600" dirty="0" smtClean="0">
+                        <a:rPr lang="fr-FR" sz="1600" dirty="0">
                           <a:solidFill>
                             <a:schemeClr val="bg1"/>
                           </a:solidFill>
                           <a:latin typeface="Arial Black" panose="020B0A04020102020204" pitchFamily="34" charset="0"/>
                         </a:rPr>
-                        <a:t>REALISATION</a:t>
+                        <a:t>REALISATION DU PROJET</a:t>
                       </a:r>
-                      <a:r>
-                        <a:rPr lang="fr-FR" sz="1600" baseline="0" dirty="0" smtClean="0">
-                          <a:solidFill>
-                            <a:schemeClr val="bg1"/>
-                          </a:solidFill>
-                          <a:latin typeface="Arial Black" panose="020B0A04020102020204" pitchFamily="34" charset="0"/>
-                        </a:rPr>
-                        <a:t> DU PROJET</a:t>
-                      </a:r>
-                      <a:endParaRPr lang="fr-FR" sz="1600" dirty="0">
-                        <a:solidFill>
-                          <a:schemeClr val="bg1"/>
-                        </a:solidFill>
-                        <a:latin typeface="Arial Black" panose="020B0A04020102020204" pitchFamily="34" charset="0"/>
-                      </a:endParaRPr>
                     </a:p>
                   </a:txBody>
                   <a:tcPr>
                     <a:solidFill>
-                      <a:schemeClr val="bg2"/>
+                      <a:srgbClr val="FF0000"/>
                     </a:solidFill>
                   </a:tcPr>
                 </a:tc>
@@ -7775,19 +7399,47 @@
                   </a:ext>
                 </a:extLst>
               </a:tr>
-              <a:tr h="857250">
+              <a:tr h="1798820">
                 <a:tc>
                   <a:txBody>
                     <a:bodyPr/>
                     <a:lstStyle/>
+                    <a:p>
+                      <a:pPr marL="0" marR="0" lvl="0" indent="0" algn="ctr" defTabSz="457200" rtl="0" eaLnBrk="1" fontAlgn="auto" latinLnBrk="0" hangingPunct="1">
+                        <a:lnSpc>
+                          <a:spcPct val="100000"/>
+                        </a:lnSpc>
+                        <a:spcBef>
+                          <a:spcPts val="0"/>
+                        </a:spcBef>
+                        <a:spcAft>
+                          <a:spcPts val="0"/>
+                        </a:spcAft>
+                        <a:buClrTx/>
+                        <a:buSzTx/>
+                        <a:buFontTx/>
+                        <a:buNone/>
+                        <a:tabLst/>
+                        <a:defRPr/>
+                      </a:pPr>
+                      <a:r>
+                        <a:rPr lang="fr-FR" sz="1600" dirty="0">
+                          <a:solidFill>
+                            <a:schemeClr val="bg1"/>
+                          </a:solidFill>
+                          <a:latin typeface="Arial Black" panose="020B0A04020102020204" pitchFamily="34" charset="0"/>
+                        </a:rPr>
+                        <a:t>CONCLUSION</a:t>
+                      </a:r>
+                    </a:p>
                     <a:p>
                       <a:endParaRPr lang="fr-FR" dirty="0"/>
                     </a:p>
                   </a:txBody>
                   <a:tcPr>
                     <a:solidFill>
-                      <a:schemeClr val="bg2">
-                        <a:lumMod val="75000"/>
+                      <a:schemeClr val="bg1">
+                        <a:lumMod val="65000"/>
                       </a:schemeClr>
                     </a:solidFill>
                   </a:tcPr>
@@ -7798,102 +7450,45 @@
                   </a:ext>
                 </a:extLst>
               </a:tr>
-              <a:tr h="857250">
-                <a:tc>
-                  <a:txBody>
-                    <a:bodyPr/>
-                    <a:lstStyle/>
-                    <a:p>
-                      <a:endParaRPr lang="fr-FR" dirty="0"/>
-                    </a:p>
-                  </a:txBody>
-                  <a:tcPr>
-                    <a:solidFill>
-                      <a:schemeClr val="bg2">
-                        <a:lumMod val="75000"/>
-                      </a:schemeClr>
-                    </a:solidFill>
-                  </a:tcPr>
-                </a:tc>
-                <a:extLst>
-                  <a:ext uri="{0D108BD9-81ED-4DB2-BD59-A6C34878D82A}">
-                    <a16:rowId xmlns:a16="http://schemas.microsoft.com/office/drawing/2014/main" val="2052153569"/>
-                  </a:ext>
-                </a:extLst>
-              </a:tr>
-              <a:tr h="857250">
-                <a:tc>
-                  <a:txBody>
-                    <a:bodyPr/>
-                    <a:lstStyle/>
-                    <a:p>
-                      <a:endParaRPr lang="fr-FR" dirty="0"/>
-                    </a:p>
-                  </a:txBody>
-                  <a:tcPr>
-                    <a:solidFill>
-                      <a:schemeClr val="bg2">
-                        <a:lumMod val="75000"/>
-                      </a:schemeClr>
-                    </a:solidFill>
-                  </a:tcPr>
-                </a:tc>
-                <a:extLst>
-                  <a:ext uri="{0D108BD9-81ED-4DB2-BD59-A6C34878D82A}">
-                    <a16:rowId xmlns:a16="http://schemas.microsoft.com/office/drawing/2014/main" val="1412416300"/>
-                  </a:ext>
-                </a:extLst>
-              </a:tr>
-              <a:tr h="857250">
-                <a:tc>
-                  <a:txBody>
-                    <a:bodyPr/>
-                    <a:lstStyle/>
-                    <a:p>
-                      <a:endParaRPr lang="fr-FR" dirty="0"/>
-                    </a:p>
-                  </a:txBody>
-                  <a:tcPr>
-                    <a:solidFill>
-                      <a:schemeClr val="bg2">
-                        <a:lumMod val="75000"/>
-                      </a:schemeClr>
-                    </a:solidFill>
-                  </a:tcPr>
-                </a:tc>
-                <a:extLst>
-                  <a:ext uri="{0D108BD9-81ED-4DB2-BD59-A6C34878D82A}">
-                    <a16:rowId xmlns:a16="http://schemas.microsoft.com/office/drawing/2014/main" val="1979382053"/>
-                  </a:ext>
-                </a:extLst>
-              </a:tr>
-              <a:tr h="857250">
-                <a:tc>
-                  <a:txBody>
-                    <a:bodyPr/>
-                    <a:lstStyle/>
-                    <a:p>
-                      <a:endParaRPr lang="fr-FR" dirty="0"/>
-                    </a:p>
-                  </a:txBody>
-                  <a:tcPr>
-                    <a:solidFill>
-                      <a:schemeClr val="bg2">
-                        <a:lumMod val="75000"/>
-                      </a:schemeClr>
-                    </a:solidFill>
-                  </a:tcPr>
-                </a:tc>
-                <a:extLst>
-                  <a:ext uri="{0D108BD9-81ED-4DB2-BD59-A6C34878D82A}">
-                    <a16:rowId xmlns:a16="http://schemas.microsoft.com/office/drawing/2014/main" val="2649744146"/>
-                  </a:ext>
-                </a:extLst>
-              </a:tr>
             </a:tbl>
           </a:graphicData>
         </a:graphic>
       </p:graphicFrame>
+      <p:sp>
+        <p:nvSpPr>
+          <p:cNvPr id="2" name="Titre 1"/>
+          <p:cNvSpPr>
+            <a:spLocks noGrp="1"/>
+          </p:cNvSpPr>
+          <p:nvPr>
+            <p:ph type="title"/>
+          </p:nvPr>
+        </p:nvSpPr>
+        <p:spPr>
+          <a:xfrm>
+            <a:off x="1756230" y="0"/>
+            <a:ext cx="7583714" cy="1828800"/>
+          </a:xfrm>
+        </p:spPr>
+        <p:txBody>
+          <a:bodyPr>
+            <a:noAutofit/>
+          </a:bodyPr>
+          <a:lstStyle/>
+          <a:p>
+            <a:pPr algn="ctr"/>
+            <a:r>
+              <a:rPr lang="fr-FR" sz="4400" dirty="0">
+                <a:solidFill>
+                  <a:schemeClr val="tx1"/>
+                </a:solidFill>
+                <a:latin typeface="Arial Black" panose="020B0A04020102020204" pitchFamily="34" charset="0"/>
+              </a:rPr>
+              <a:t>TYPE STATIQUE</a:t>
+            </a:r>
+          </a:p>
+        </p:txBody>
+      </p:sp>
       <p:pic>
         <p:nvPicPr>
           <p:cNvPr id="1028" name="Picture 4" descr="Afficher l'image d'origine"/>
@@ -7945,8 +7540,8 @@
         </p:nvSpPr>
         <p:spPr>
           <a:xfrm>
-            <a:off x="1846943" y="2068286"/>
-            <a:ext cx="7667171" cy="400110"/>
+            <a:off x="1756229" y="1834910"/>
+            <a:ext cx="7583715" cy="400110"/>
           </a:xfrm>
           <a:prstGeom prst="rect">
             <a:avLst/>
@@ -7959,47 +7554,158 @@
           </a:bodyPr>
           <a:lstStyle/>
           <a:p>
-            <a:r>
-              <a:rPr lang="fr-FR" sz="2000" b="1" dirty="0" smtClean="0">
+            <a:pPr algn="ctr"/>
+            <a:r>
+              <a:rPr lang="fr-FR" sz="2000" b="1" dirty="0">
                 <a:latin typeface="Arial Black" panose="020B0A04020102020204" pitchFamily="34" charset="0"/>
               </a:rPr>
-              <a:t>Affichage d’une image sous format PBM </a:t>
-            </a:r>
-            <a:endParaRPr lang="fr-FR" sz="2000" b="1" dirty="0">
-              <a:latin typeface="Arial Black" panose="020B0A04020102020204" pitchFamily="34" charset="0"/>
-            </a:endParaRPr>
-          </a:p>
-        </p:txBody>
-      </p:sp>
+              <a:t>Affichage d’une image aléatoire sous format PBM : </a:t>
+            </a:r>
+          </a:p>
+        </p:txBody>
+      </p:sp>
+      <p:pic>
+        <p:nvPicPr>
+          <p:cNvPr id="4" name="Image 3"/>
+          <p:cNvPicPr>
+            <a:picLocks noChangeAspect="1"/>
+          </p:cNvPicPr>
+          <p:nvPr/>
+        </p:nvPicPr>
+        <p:blipFill>
+          <a:blip r:embed="rId3"/>
+          <a:stretch>
+            <a:fillRect/>
+          </a:stretch>
+        </p:blipFill>
+        <p:spPr>
+          <a:xfrm>
+            <a:off x="3289453" y="2485162"/>
+            <a:ext cx="2091067" cy="1174789"/>
+          </a:xfrm>
+          <a:prstGeom prst="rect">
+            <a:avLst/>
+          </a:prstGeom>
+        </p:spPr>
+      </p:pic>
+      <p:pic>
+        <p:nvPicPr>
+          <p:cNvPr id="6" name="Image 5"/>
+          <p:cNvPicPr>
+            <a:picLocks noChangeAspect="1"/>
+          </p:cNvPicPr>
+          <p:nvPr/>
+        </p:nvPicPr>
+        <p:blipFill>
+          <a:blip r:embed="rId4"/>
+          <a:stretch>
+            <a:fillRect/>
+          </a:stretch>
+        </p:blipFill>
+        <p:spPr>
+          <a:xfrm>
+            <a:off x="5907224" y="2485162"/>
+            <a:ext cx="2092331" cy="1171016"/>
+          </a:xfrm>
+          <a:prstGeom prst="rect">
+            <a:avLst/>
+          </a:prstGeom>
+        </p:spPr>
+      </p:pic>
+      <p:pic>
+        <p:nvPicPr>
+          <p:cNvPr id="7" name="Image 6"/>
+          <p:cNvPicPr>
+            <a:picLocks noChangeAspect="1"/>
+          </p:cNvPicPr>
+          <p:nvPr/>
+        </p:nvPicPr>
+        <p:blipFill>
+          <a:blip r:embed="rId5"/>
+          <a:stretch>
+            <a:fillRect/>
+          </a:stretch>
+        </p:blipFill>
+        <p:spPr>
+          <a:xfrm>
+            <a:off x="2066186" y="4313060"/>
+            <a:ext cx="2091067" cy="1175145"/>
+          </a:xfrm>
+          <a:prstGeom prst="rect">
+            <a:avLst/>
+          </a:prstGeom>
+        </p:spPr>
+      </p:pic>
+      <p:pic>
+        <p:nvPicPr>
+          <p:cNvPr id="8" name="Image 7"/>
+          <p:cNvPicPr>
+            <a:picLocks noChangeAspect="1"/>
+          </p:cNvPicPr>
+          <p:nvPr/>
+        </p:nvPicPr>
+        <p:blipFill>
+          <a:blip r:embed="rId6"/>
+          <a:stretch>
+            <a:fillRect/>
+          </a:stretch>
+        </p:blipFill>
+        <p:spPr>
+          <a:xfrm>
+            <a:off x="4511456" y="4313060"/>
+            <a:ext cx="2092331" cy="1175145"/>
+          </a:xfrm>
+          <a:prstGeom prst="rect">
+            <a:avLst/>
+          </a:prstGeom>
+        </p:spPr>
+      </p:pic>
+      <p:pic>
+        <p:nvPicPr>
+          <p:cNvPr id="9" name="Image 8"/>
+          <p:cNvPicPr>
+            <a:picLocks noChangeAspect="1"/>
+          </p:cNvPicPr>
+          <p:nvPr/>
+        </p:nvPicPr>
+        <p:blipFill>
+          <a:blip r:embed="rId7"/>
+          <a:stretch>
+            <a:fillRect/>
+          </a:stretch>
+        </p:blipFill>
+        <p:spPr>
+          <a:xfrm>
+            <a:off x="6957990" y="4306430"/>
+            <a:ext cx="2083131" cy="1181776"/>
+          </a:xfrm>
+          <a:prstGeom prst="rect">
+            <a:avLst/>
+          </a:prstGeom>
+        </p:spPr>
+      </p:pic>
     </p:spTree>
     <p:extLst>
       <p:ext uri="{BB962C8B-B14F-4D97-AF65-F5344CB8AC3E}">
-        <p14:creationId xmlns:p14="http://schemas.microsoft.com/office/powerpoint/2010/main" val="3614158277"/>
+        <p14:creationId xmlns:p14="http://schemas.microsoft.com/office/powerpoint/2010/main" val="672598608"/>
       </p:ext>
     </p:extLst>
   </p:cSld>
   <p:clrMapOvr>
     <a:masterClrMapping/>
   </p:clrMapOvr>
-  <mc:AlternateContent xmlns:mc="http://schemas.openxmlformats.org/markup-compatibility/2006">
-    <mc:Choice xmlns:p14="http://schemas.microsoft.com/office/powerpoint/2010/main" Requires="p14">
+  <mc:AlternateContent xmlns:mc="http://schemas.openxmlformats.org/markup-compatibility/2006" xmlns:p14="http://schemas.microsoft.com/office/powerpoint/2010/main">
+    <mc:Choice Requires="p14">
       <p:transition p14:dur="250">
         <p:fade/>
       </p:transition>
     </mc:Choice>
-    <mc:Fallback>
+    <mc:Fallback xmlns="">
       <p:transition>
         <p:fade/>
       </p:transition>
     </mc:Fallback>
   </mc:AlternateContent>
-  <p:timing>
-    <p:tnLst>
-      <p:par>
-        <p:cTn id="1" dur="indefinite" restart="never" nodeType="tmRoot"/>
-      </p:par>
-    </p:tnLst>
-  </p:timing>
 </p:sld>
 </file>
 
@@ -8020,64 +7726,23 @@
           <a:chExt cx="0" cy="0"/>
         </a:xfrm>
       </p:grpSpPr>
-      <p:sp>
-        <p:nvSpPr>
-          <p:cNvPr id="2" name="Titre 1"/>
-          <p:cNvSpPr>
-            <a:spLocks noGrp="1"/>
-          </p:cNvSpPr>
-          <p:nvPr>
-            <p:ph type="title"/>
-          </p:nvPr>
-        </p:nvSpPr>
-        <p:spPr>
-          <a:xfrm>
-            <a:off x="1756230" y="0"/>
-            <a:ext cx="7583714" cy="1828800"/>
-          </a:xfrm>
-        </p:spPr>
-        <p:txBody>
-          <a:bodyPr>
-            <a:noAutofit/>
-          </a:bodyPr>
-          <a:lstStyle/>
-          <a:p>
-            <a:pPr algn="ctr"/>
-            <a:r>
-              <a:rPr lang="fr-FR" sz="4400" dirty="0" smtClean="0">
-                <a:solidFill>
-                  <a:schemeClr val="tx1"/>
-                </a:solidFill>
-                <a:latin typeface="Arial Black" panose="020B0A04020102020204" pitchFamily="34" charset="0"/>
-              </a:rPr>
-              <a:t>TYPE STATIQUE</a:t>
-            </a:r>
-            <a:endParaRPr lang="fr-FR" sz="4400" dirty="0">
-              <a:solidFill>
-                <a:schemeClr val="tx1"/>
-              </a:solidFill>
-              <a:latin typeface="Arial Black" panose="020B0A04020102020204" pitchFamily="34" charset="0"/>
-            </a:endParaRPr>
-          </a:p>
-        </p:txBody>
-      </p:sp>
       <p:graphicFrame>
         <p:nvGraphicFramePr>
-          <p:cNvPr id="5" name="Tableau 4"/>
+          <p:cNvPr id="7" name="Tableau 6"/>
           <p:cNvGraphicFramePr>
             <a:graphicFrameLocks noGrp="1"/>
           </p:cNvGraphicFramePr>
           <p:nvPr>
             <p:extLst>
               <p:ext uri="{D42A27DB-BD31-4B8C-83A1-F6EECF244321}">
-                <p14:modId xmlns:p14="http://schemas.microsoft.com/office/powerpoint/2010/main" val="2623679774"/>
+                <p14:modId xmlns:p14="http://schemas.microsoft.com/office/powerpoint/2010/main" val="1098329987"/>
               </p:ext>
             </p:extLst>
           </p:nvPr>
         </p:nvGraphicFramePr>
         <p:xfrm>
           <a:off x="0" y="0"/>
-          <a:ext cx="1756229" cy="6858000"/>
+          <a:ext cx="1756229" cy="6857999"/>
         </p:xfrm>
         <a:graphic>
           <a:graphicData uri="http://schemas.openxmlformats.org/drawingml/2006/table">
@@ -8094,7 +7759,7 @@
                   </a:extLst>
                 </a:gridCol>
               </a:tblGrid>
-              <a:tr h="857250">
+              <a:tr h="1686393">
                 <a:tc>
                   <a:txBody>
                     <a:bodyPr/>
@@ -8118,7 +7783,7 @@
                   </a:ext>
                 </a:extLst>
               </a:tr>
-              <a:tr h="857250">
+              <a:tr h="1686393">
                 <a:tc>
                   <a:txBody>
                     <a:bodyPr/>
@@ -8126,7 +7791,7 @@
                     <a:p>
                       <a:pPr algn="ctr"/>
                       <a:r>
-                        <a:rPr lang="fr-FR" sz="1600" dirty="0" smtClean="0">
+                        <a:rPr lang="fr-FR" sz="1600" dirty="0">
                           <a:solidFill>
                             <a:schemeClr val="bg1"/>
                           </a:solidFill>
@@ -8134,17 +7799,13 @@
                         </a:rPr>
                         <a:t>OBJECTIF DU PROJET</a:t>
                       </a:r>
-                      <a:endParaRPr lang="fr-FR" sz="1600" dirty="0">
-                        <a:solidFill>
-                          <a:schemeClr val="bg1"/>
-                        </a:solidFill>
-                        <a:latin typeface="Arial Black" panose="020B0A04020102020204" pitchFamily="34" charset="0"/>
-                      </a:endParaRPr>
                     </a:p>
                   </a:txBody>
                   <a:tcPr>
                     <a:solidFill>
-                      <a:schemeClr val="accent2"/>
+                      <a:schemeClr val="bg1">
+                        <a:lumMod val="65000"/>
+                      </a:schemeClr>
                     </a:solidFill>
                   </a:tcPr>
                 </a:tc>
@@ -8154,7 +7815,7 @@
                   </a:ext>
                 </a:extLst>
               </a:tr>
-              <a:tr h="857250">
+              <a:tr h="1686393">
                 <a:tc>
                   <a:txBody>
                     <a:bodyPr/>
@@ -8162,34 +7823,19 @@
                     <a:p>
                       <a:pPr algn="ctr"/>
                       <a:r>
-                        <a:rPr lang="fr-FR" sz="1600" dirty="0" smtClean="0">
+                        <a:rPr lang="fr-FR" sz="1600" dirty="0">
                           <a:solidFill>
                             <a:schemeClr val="bg1"/>
                           </a:solidFill>
                           <a:latin typeface="Arial Black" panose="020B0A04020102020204" pitchFamily="34" charset="0"/>
                         </a:rPr>
-                        <a:t>REALISATION</a:t>
+                        <a:t>REALISATION DU PROJET</a:t>
                       </a:r>
-                      <a:r>
-                        <a:rPr lang="fr-FR" sz="1600" baseline="0" dirty="0" smtClean="0">
-                          <a:solidFill>
-                            <a:schemeClr val="bg1"/>
-                          </a:solidFill>
-                          <a:latin typeface="Arial Black" panose="020B0A04020102020204" pitchFamily="34" charset="0"/>
-                        </a:rPr>
-                        <a:t> DU PROJET</a:t>
-                      </a:r>
-                      <a:endParaRPr lang="fr-FR" sz="1600" dirty="0">
-                        <a:solidFill>
-                          <a:schemeClr val="bg1"/>
-                        </a:solidFill>
-                        <a:latin typeface="Arial Black" panose="020B0A04020102020204" pitchFamily="34" charset="0"/>
-                      </a:endParaRPr>
                     </a:p>
                   </a:txBody>
                   <a:tcPr>
                     <a:solidFill>
-                      <a:schemeClr val="bg2"/>
+                      <a:srgbClr val="FF0000"/>
                     </a:solidFill>
                   </a:tcPr>
                 </a:tc>
@@ -8199,19 +7845,47 @@
                   </a:ext>
                 </a:extLst>
               </a:tr>
-              <a:tr h="857250">
+              <a:tr h="1798820">
                 <a:tc>
                   <a:txBody>
                     <a:bodyPr/>
                     <a:lstStyle/>
+                    <a:p>
+                      <a:pPr marL="0" marR="0" lvl="0" indent="0" algn="ctr" defTabSz="457200" rtl="0" eaLnBrk="1" fontAlgn="auto" latinLnBrk="0" hangingPunct="1">
+                        <a:lnSpc>
+                          <a:spcPct val="100000"/>
+                        </a:lnSpc>
+                        <a:spcBef>
+                          <a:spcPts val="0"/>
+                        </a:spcBef>
+                        <a:spcAft>
+                          <a:spcPts val="0"/>
+                        </a:spcAft>
+                        <a:buClrTx/>
+                        <a:buSzTx/>
+                        <a:buFontTx/>
+                        <a:buNone/>
+                        <a:tabLst/>
+                        <a:defRPr/>
+                      </a:pPr>
+                      <a:r>
+                        <a:rPr lang="fr-FR" sz="1600" dirty="0">
+                          <a:solidFill>
+                            <a:schemeClr val="bg1"/>
+                          </a:solidFill>
+                          <a:latin typeface="Arial Black" panose="020B0A04020102020204" pitchFamily="34" charset="0"/>
+                        </a:rPr>
+                        <a:t>CONCLUSION</a:t>
+                      </a:r>
+                    </a:p>
                     <a:p>
                       <a:endParaRPr lang="fr-FR" dirty="0"/>
                     </a:p>
                   </a:txBody>
                   <a:tcPr>
                     <a:solidFill>
-                      <a:schemeClr val="bg2">
-                        <a:lumMod val="75000"/>
+                      <a:schemeClr val="bg1">
+                        <a:lumMod val="65000"/>
                       </a:schemeClr>
                     </a:solidFill>
                   </a:tcPr>
@@ -8222,102 +7896,45 @@
                   </a:ext>
                 </a:extLst>
               </a:tr>
-              <a:tr h="857250">
-                <a:tc>
-                  <a:txBody>
-                    <a:bodyPr/>
-                    <a:lstStyle/>
-                    <a:p>
-                      <a:endParaRPr lang="fr-FR" dirty="0"/>
-                    </a:p>
-                  </a:txBody>
-                  <a:tcPr>
-                    <a:solidFill>
-                      <a:schemeClr val="bg2">
-                        <a:lumMod val="75000"/>
-                      </a:schemeClr>
-                    </a:solidFill>
-                  </a:tcPr>
-                </a:tc>
-                <a:extLst>
-                  <a:ext uri="{0D108BD9-81ED-4DB2-BD59-A6C34878D82A}">
-                    <a16:rowId xmlns:a16="http://schemas.microsoft.com/office/drawing/2014/main" val="2052153569"/>
-                  </a:ext>
-                </a:extLst>
-              </a:tr>
-              <a:tr h="857250">
-                <a:tc>
-                  <a:txBody>
-                    <a:bodyPr/>
-                    <a:lstStyle/>
-                    <a:p>
-                      <a:endParaRPr lang="fr-FR" dirty="0"/>
-                    </a:p>
-                  </a:txBody>
-                  <a:tcPr>
-                    <a:solidFill>
-                      <a:schemeClr val="bg2">
-                        <a:lumMod val="75000"/>
-                      </a:schemeClr>
-                    </a:solidFill>
-                  </a:tcPr>
-                </a:tc>
-                <a:extLst>
-                  <a:ext uri="{0D108BD9-81ED-4DB2-BD59-A6C34878D82A}">
-                    <a16:rowId xmlns:a16="http://schemas.microsoft.com/office/drawing/2014/main" val="1412416300"/>
-                  </a:ext>
-                </a:extLst>
-              </a:tr>
-              <a:tr h="857250">
-                <a:tc>
-                  <a:txBody>
-                    <a:bodyPr/>
-                    <a:lstStyle/>
-                    <a:p>
-                      <a:endParaRPr lang="fr-FR" dirty="0"/>
-                    </a:p>
-                  </a:txBody>
-                  <a:tcPr>
-                    <a:solidFill>
-                      <a:schemeClr val="bg2">
-                        <a:lumMod val="75000"/>
-                      </a:schemeClr>
-                    </a:solidFill>
-                  </a:tcPr>
-                </a:tc>
-                <a:extLst>
-                  <a:ext uri="{0D108BD9-81ED-4DB2-BD59-A6C34878D82A}">
-                    <a16:rowId xmlns:a16="http://schemas.microsoft.com/office/drawing/2014/main" val="1979382053"/>
-                  </a:ext>
-                </a:extLst>
-              </a:tr>
-              <a:tr h="857250">
-                <a:tc>
-                  <a:txBody>
-                    <a:bodyPr/>
-                    <a:lstStyle/>
-                    <a:p>
-                      <a:endParaRPr lang="fr-FR" dirty="0"/>
-                    </a:p>
-                  </a:txBody>
-                  <a:tcPr>
-                    <a:solidFill>
-                      <a:schemeClr val="bg2">
-                        <a:lumMod val="75000"/>
-                      </a:schemeClr>
-                    </a:solidFill>
-                  </a:tcPr>
-                </a:tc>
-                <a:extLst>
-                  <a:ext uri="{0D108BD9-81ED-4DB2-BD59-A6C34878D82A}">
-                    <a16:rowId xmlns:a16="http://schemas.microsoft.com/office/drawing/2014/main" val="2649744146"/>
-                  </a:ext>
-                </a:extLst>
-              </a:tr>
             </a:tbl>
           </a:graphicData>
         </a:graphic>
       </p:graphicFrame>
+      <p:sp>
+        <p:nvSpPr>
+          <p:cNvPr id="2" name="Titre 1"/>
+          <p:cNvSpPr>
+            <a:spLocks noGrp="1"/>
+          </p:cNvSpPr>
+          <p:nvPr>
+            <p:ph type="title"/>
+          </p:nvPr>
+        </p:nvSpPr>
+        <p:spPr>
+          <a:xfrm>
+            <a:off x="1756230" y="0"/>
+            <a:ext cx="7583714" cy="1828800"/>
+          </a:xfrm>
+        </p:spPr>
+        <p:txBody>
+          <a:bodyPr>
+            <a:noAutofit/>
+          </a:bodyPr>
+          <a:lstStyle/>
+          <a:p>
+            <a:pPr algn="ctr"/>
+            <a:r>
+              <a:rPr lang="fr-FR" sz="4400" dirty="0">
+                <a:solidFill>
+                  <a:schemeClr val="tx1"/>
+                </a:solidFill>
+                <a:latin typeface="Arial Black" panose="020B0A04020102020204" pitchFamily="34" charset="0"/>
+              </a:rPr>
+              <a:t>TYPE DYNAMIQUE</a:t>
+            </a:r>
+          </a:p>
+        </p:txBody>
+      </p:sp>
       <p:pic>
         <p:nvPicPr>
           <p:cNvPr id="1028" name="Picture 4" descr="Afficher l'image d'origine"/>
@@ -8369,7 +7986,7 @@
         </p:nvSpPr>
         <p:spPr>
           <a:xfrm>
-            <a:off x="1846943" y="2068286"/>
+            <a:off x="1846942" y="1343758"/>
             <a:ext cx="7667171" cy="400110"/>
           </a:xfrm>
           <a:prstGeom prst="rect">
@@ -8383,47 +8000,1027 @@
           </a:bodyPr>
           <a:lstStyle/>
           <a:p>
-            <a:r>
-              <a:rPr lang="fr-FR" sz="2000" b="1" dirty="0" smtClean="0">
+            <a:pPr algn="ctr"/>
+            <a:r>
+              <a:rPr lang="fr-FR" sz="2000" b="1" dirty="0">
                 <a:latin typeface="Arial Black" panose="020B0A04020102020204" pitchFamily="34" charset="0"/>
               </a:rPr>
-              <a:t>Affichage d’une image sous format PBM </a:t>
-            </a:r>
-            <a:endParaRPr lang="fr-FR" sz="2000" b="1" dirty="0">
-              <a:latin typeface="Arial Black" panose="020B0A04020102020204" pitchFamily="34" charset="0"/>
-            </a:endParaRPr>
-          </a:p>
-        </p:txBody>
-      </p:sp>
+              <a:t>Affichage de l’heure et actualisation : </a:t>
+            </a:r>
+          </a:p>
+        </p:txBody>
+      </p:sp>
+      <p:pic>
+        <p:nvPicPr>
+          <p:cNvPr id="4" name="Image 3"/>
+          <p:cNvPicPr>
+            <a:picLocks noChangeAspect="1"/>
+          </p:cNvPicPr>
+          <p:nvPr/>
+        </p:nvPicPr>
+        <p:blipFill>
+          <a:blip r:embed="rId3"/>
+          <a:stretch>
+            <a:fillRect/>
+          </a:stretch>
+        </p:blipFill>
+        <p:spPr>
+          <a:xfrm>
+            <a:off x="2202549" y="2184397"/>
+            <a:ext cx="6955955" cy="3401116"/>
+          </a:xfrm>
+          <a:prstGeom prst="rect">
+            <a:avLst/>
+          </a:prstGeom>
+        </p:spPr>
+      </p:pic>
     </p:spTree>
     <p:extLst>
       <p:ext uri="{BB962C8B-B14F-4D97-AF65-F5344CB8AC3E}">
-        <p14:creationId xmlns:p14="http://schemas.microsoft.com/office/powerpoint/2010/main" val="672598608"/>
+        <p14:creationId xmlns:p14="http://schemas.microsoft.com/office/powerpoint/2010/main" val="3614158277"/>
       </p:ext>
     </p:extLst>
   </p:cSld>
   <p:clrMapOvr>
     <a:masterClrMapping/>
   </p:clrMapOvr>
-  <mc:AlternateContent xmlns:mc="http://schemas.openxmlformats.org/markup-compatibility/2006">
-    <mc:Choice xmlns:p14="http://schemas.microsoft.com/office/powerpoint/2010/main" Requires="p14">
+  <mc:AlternateContent xmlns:mc="http://schemas.openxmlformats.org/markup-compatibility/2006" xmlns:p14="http://schemas.microsoft.com/office/powerpoint/2010/main">
+    <mc:Choice Requires="p14">
       <p:transition p14:dur="250">
         <p:fade/>
       </p:transition>
     </mc:Choice>
-    <mc:Fallback>
+    <mc:Fallback xmlns="">
       <p:transition>
         <p:fade/>
       </p:transition>
     </mc:Fallback>
   </mc:AlternateContent>
-  <p:timing>
-    <p:tnLst>
-      <p:par>
-        <p:cTn id="1" dur="indefinite" restart="never" nodeType="tmRoot"/>
-      </p:par>
-    </p:tnLst>
-  </p:timing>
+</p:sld>
+</file>
+
+<file path=ppt/slides/slide7.xml><?xml version="1.0" encoding="utf-8"?>
+<p:sld xmlns:a="http://schemas.openxmlformats.org/drawingml/2006/main" xmlns:r="http://schemas.openxmlformats.org/officeDocument/2006/relationships" xmlns:p="http://schemas.openxmlformats.org/presentationml/2006/main">
+  <p:cSld>
+    <p:spTree>
+      <p:nvGrpSpPr>
+        <p:cNvPr id="1" name=""/>
+        <p:cNvGrpSpPr/>
+        <p:nvPr/>
+      </p:nvGrpSpPr>
+      <p:grpSpPr>
+        <a:xfrm>
+          <a:off x="0" y="0"/>
+          <a:ext cx="0" cy="0"/>
+          <a:chOff x="0" y="0"/>
+          <a:chExt cx="0" cy="0"/>
+        </a:xfrm>
+      </p:grpSpPr>
+      <p:graphicFrame>
+        <p:nvGraphicFramePr>
+          <p:cNvPr id="9" name="Tableau 8"/>
+          <p:cNvGraphicFramePr>
+            <a:graphicFrameLocks noGrp="1"/>
+          </p:cNvGraphicFramePr>
+          <p:nvPr>
+            <p:extLst>
+              <p:ext uri="{D42A27DB-BD31-4B8C-83A1-F6EECF244321}">
+                <p14:modId xmlns:p14="http://schemas.microsoft.com/office/powerpoint/2010/main" val="1711312386"/>
+              </p:ext>
+            </p:extLst>
+          </p:nvPr>
+        </p:nvGraphicFramePr>
+        <p:xfrm>
+          <a:off x="0" y="0"/>
+          <a:ext cx="1756229" cy="6857999"/>
+        </p:xfrm>
+        <a:graphic>
+          <a:graphicData uri="http://schemas.openxmlformats.org/drawingml/2006/table">
+            <a:tbl>
+              <a:tblPr firstRow="1" bandRow="1">
+                <a:tableStyleId>{0505E3EF-67EA-436B-97B2-0124C06EBD24}</a:tableStyleId>
+              </a:tblPr>
+              <a:tblGrid>
+                <a:gridCol w="1756229">
+                  <a:extLst>
+                    <a:ext uri="{9D8B030D-6E8A-4147-A177-3AD203B41FA5}">
+                      <a16:colId xmlns:a16="http://schemas.microsoft.com/office/drawing/2014/main" val="1719038655"/>
+                    </a:ext>
+                  </a:extLst>
+                </a:gridCol>
+              </a:tblGrid>
+              <a:tr h="1686393">
+                <a:tc>
+                  <a:txBody>
+                    <a:bodyPr/>
+                    <a:lstStyle/>
+                    <a:p>
+                      <a:endParaRPr lang="fr-FR" dirty="0"/>
+                    </a:p>
+                  </a:txBody>
+                  <a:tcPr>
+                    <a:solidFill>
+                      <a:schemeClr val="accent1">
+                        <a:lumMod val="20000"/>
+                        <a:lumOff val="80000"/>
+                      </a:schemeClr>
+                    </a:solidFill>
+                  </a:tcPr>
+                </a:tc>
+                <a:extLst>
+                  <a:ext uri="{0D108BD9-81ED-4DB2-BD59-A6C34878D82A}">
+                    <a16:rowId xmlns:a16="http://schemas.microsoft.com/office/drawing/2014/main" val="1220596282"/>
+                  </a:ext>
+                </a:extLst>
+              </a:tr>
+              <a:tr h="1686393">
+                <a:tc>
+                  <a:txBody>
+                    <a:bodyPr/>
+                    <a:lstStyle/>
+                    <a:p>
+                      <a:pPr algn="ctr"/>
+                      <a:r>
+                        <a:rPr lang="fr-FR" sz="1600" dirty="0">
+                          <a:solidFill>
+                            <a:schemeClr val="bg1"/>
+                          </a:solidFill>
+                          <a:latin typeface="Arial Black" panose="020B0A04020102020204" pitchFamily="34" charset="0"/>
+                        </a:rPr>
+                        <a:t>OBJECTIF DU PROJET</a:t>
+                      </a:r>
+                    </a:p>
+                  </a:txBody>
+                  <a:tcPr>
+                    <a:solidFill>
+                      <a:schemeClr val="bg1">
+                        <a:lumMod val="65000"/>
+                      </a:schemeClr>
+                    </a:solidFill>
+                  </a:tcPr>
+                </a:tc>
+                <a:extLst>
+                  <a:ext uri="{0D108BD9-81ED-4DB2-BD59-A6C34878D82A}">
+                    <a16:rowId xmlns:a16="http://schemas.microsoft.com/office/drawing/2014/main" val="2308382991"/>
+                  </a:ext>
+                </a:extLst>
+              </a:tr>
+              <a:tr h="1686393">
+                <a:tc>
+                  <a:txBody>
+                    <a:bodyPr/>
+                    <a:lstStyle/>
+                    <a:p>
+                      <a:pPr algn="ctr"/>
+                      <a:r>
+                        <a:rPr lang="fr-FR" sz="1600" dirty="0">
+                          <a:solidFill>
+                            <a:schemeClr val="bg1"/>
+                          </a:solidFill>
+                          <a:latin typeface="Arial Black" panose="020B0A04020102020204" pitchFamily="34" charset="0"/>
+                        </a:rPr>
+                        <a:t>REALISATION DU PROJET</a:t>
+                      </a:r>
+                    </a:p>
+                  </a:txBody>
+                  <a:tcPr>
+                    <a:solidFill>
+                      <a:srgbClr val="FF0000"/>
+                    </a:solidFill>
+                  </a:tcPr>
+                </a:tc>
+                <a:extLst>
+                  <a:ext uri="{0D108BD9-81ED-4DB2-BD59-A6C34878D82A}">
+                    <a16:rowId xmlns:a16="http://schemas.microsoft.com/office/drawing/2014/main" val="794713827"/>
+                  </a:ext>
+                </a:extLst>
+              </a:tr>
+              <a:tr h="1798820">
+                <a:tc>
+                  <a:txBody>
+                    <a:bodyPr/>
+                    <a:lstStyle/>
+                    <a:p>
+                      <a:pPr marL="0" marR="0" lvl="0" indent="0" algn="ctr" defTabSz="457200" rtl="0" eaLnBrk="1" fontAlgn="auto" latinLnBrk="0" hangingPunct="1">
+                        <a:lnSpc>
+                          <a:spcPct val="100000"/>
+                        </a:lnSpc>
+                        <a:spcBef>
+                          <a:spcPts val="0"/>
+                        </a:spcBef>
+                        <a:spcAft>
+                          <a:spcPts val="0"/>
+                        </a:spcAft>
+                        <a:buClrTx/>
+                        <a:buSzTx/>
+                        <a:buFontTx/>
+                        <a:buNone/>
+                        <a:tabLst/>
+                        <a:defRPr/>
+                      </a:pPr>
+                      <a:r>
+                        <a:rPr lang="fr-FR" sz="1600" dirty="0">
+                          <a:solidFill>
+                            <a:schemeClr val="bg1"/>
+                          </a:solidFill>
+                          <a:latin typeface="Arial Black" panose="020B0A04020102020204" pitchFamily="34" charset="0"/>
+                        </a:rPr>
+                        <a:t>CONCLUSION</a:t>
+                      </a:r>
+                    </a:p>
+                    <a:p>
+                      <a:endParaRPr lang="fr-FR" dirty="0"/>
+                    </a:p>
+                  </a:txBody>
+                  <a:tcPr>
+                    <a:solidFill>
+                      <a:schemeClr val="bg1">
+                        <a:lumMod val="65000"/>
+                      </a:schemeClr>
+                    </a:solidFill>
+                  </a:tcPr>
+                </a:tc>
+                <a:extLst>
+                  <a:ext uri="{0D108BD9-81ED-4DB2-BD59-A6C34878D82A}">
+                    <a16:rowId xmlns:a16="http://schemas.microsoft.com/office/drawing/2014/main" val="2634199983"/>
+                  </a:ext>
+                </a:extLst>
+              </a:tr>
+            </a:tbl>
+          </a:graphicData>
+        </a:graphic>
+      </p:graphicFrame>
+      <p:sp>
+        <p:nvSpPr>
+          <p:cNvPr id="2" name="Titre 1"/>
+          <p:cNvSpPr>
+            <a:spLocks noGrp="1"/>
+          </p:cNvSpPr>
+          <p:nvPr>
+            <p:ph type="title"/>
+          </p:nvPr>
+        </p:nvSpPr>
+        <p:spPr>
+          <a:xfrm>
+            <a:off x="1756230" y="0"/>
+            <a:ext cx="7583714" cy="1828800"/>
+          </a:xfrm>
+        </p:spPr>
+        <p:txBody>
+          <a:bodyPr>
+            <a:noAutofit/>
+          </a:bodyPr>
+          <a:lstStyle/>
+          <a:p>
+            <a:pPr algn="ctr"/>
+            <a:r>
+              <a:rPr lang="fr-FR" sz="4400" dirty="0">
+                <a:solidFill>
+                  <a:schemeClr val="tx1"/>
+                </a:solidFill>
+                <a:latin typeface="Arial Black" panose="020B0A04020102020204" pitchFamily="34" charset="0"/>
+              </a:rPr>
+              <a:t>LAUNCHER</a:t>
+            </a:r>
+          </a:p>
+        </p:txBody>
+      </p:sp>
+      <p:pic>
+        <p:nvPicPr>
+          <p:cNvPr id="1028" name="Picture 4" descr="Afficher l'image d'origine"/>
+          <p:cNvPicPr>
+            <a:picLocks noChangeAspect="1" noChangeArrowheads="1"/>
+          </p:cNvPicPr>
+          <p:nvPr/>
+        </p:nvPicPr>
+        <p:blipFill rotWithShape="1">
+          <a:blip r:embed="rId2">
+            <a:clrChange>
+              <a:clrFrom>
+                <a:srgbClr val="FFFFFF"/>
+              </a:clrFrom>
+              <a:clrTo>
+                <a:srgbClr val="FFFFFF">
+                  <a:alpha val="0"/>
+                </a:srgbClr>
+              </a:clrTo>
+            </a:clrChange>
+            <a:extLst>
+              <a:ext uri="{28A0092B-C50C-407E-A947-70E740481C1C}">
+                <a14:useLocalDpi xmlns:a14="http://schemas.microsoft.com/office/drawing/2010/main" val="0"/>
+              </a:ext>
+            </a:extLst>
+          </a:blip>
+          <a:srcRect l="1" t="71" r="-2134" b="21553"/>
+          <a:stretch/>
+        </p:blipFill>
+        <p:spPr bwMode="auto">
+          <a:xfrm>
+            <a:off x="-90713" y="49780"/>
+            <a:ext cx="1937656" cy="740229"/>
+          </a:xfrm>
+          <a:prstGeom prst="rect">
+            <a:avLst/>
+          </a:prstGeom>
+          <a:noFill/>
+          <a:ln>
+            <a:noFill/>
+          </a:ln>
+        </p:spPr>
+      </p:pic>
+      <p:sp>
+        <p:nvSpPr>
+          <p:cNvPr id="3" name="ZoneTexte 2"/>
+          <p:cNvSpPr txBox="1"/>
+          <p:nvPr/>
+        </p:nvSpPr>
+        <p:spPr>
+          <a:xfrm>
+            <a:off x="1756228" y="1628745"/>
+            <a:ext cx="7667171" cy="400110"/>
+          </a:xfrm>
+          <a:prstGeom prst="rect">
+            <a:avLst/>
+          </a:prstGeom>
+          <a:noFill/>
+        </p:spPr>
+        <p:txBody>
+          <a:bodyPr wrap="square" rtlCol="0">
+            <a:spAutoFit/>
+          </a:bodyPr>
+          <a:lstStyle/>
+          <a:p>
+            <a:pPr algn="ctr"/>
+            <a:r>
+              <a:rPr lang="fr-FR" sz="2000" b="1" dirty="0">
+                <a:latin typeface="Arial Black" panose="020B0A04020102020204" pitchFamily="34" charset="0"/>
+              </a:rPr>
+              <a:t>Exécution aléatoire d’un des 3 types d’affichage </a:t>
+            </a:r>
+          </a:p>
+        </p:txBody>
+      </p:sp>
+      <p:sp>
+        <p:nvSpPr>
+          <p:cNvPr id="7" name="ZoneTexte 6"/>
+          <p:cNvSpPr txBox="1"/>
+          <p:nvPr/>
+        </p:nvSpPr>
+        <p:spPr>
+          <a:xfrm>
+            <a:off x="1756228" y="2894287"/>
+            <a:ext cx="7667171" cy="400110"/>
+          </a:xfrm>
+          <a:prstGeom prst="rect">
+            <a:avLst/>
+          </a:prstGeom>
+          <a:noFill/>
+        </p:spPr>
+        <p:txBody>
+          <a:bodyPr wrap="square" rtlCol="0">
+            <a:spAutoFit/>
+          </a:bodyPr>
+          <a:lstStyle/>
+          <a:p>
+            <a:pPr algn="ctr"/>
+            <a:r>
+              <a:rPr lang="fr-FR" sz="2000" b="1" dirty="0">
+                <a:latin typeface="Arial Black" panose="020B0A04020102020204" pitchFamily="34" charset="0"/>
+              </a:rPr>
+              <a:t>Affichage de l’historique ( ./Launcher –stats ) : </a:t>
+            </a:r>
+          </a:p>
+        </p:txBody>
+      </p:sp>
+      <p:pic>
+        <p:nvPicPr>
+          <p:cNvPr id="6" name="Image 5"/>
+          <p:cNvPicPr>
+            <a:picLocks noChangeAspect="1"/>
+          </p:cNvPicPr>
+          <p:nvPr/>
+        </p:nvPicPr>
+        <p:blipFill rotWithShape="1">
+          <a:blip r:embed="rId3"/>
+          <a:srcRect b="6859"/>
+          <a:stretch/>
+        </p:blipFill>
+        <p:spPr>
+          <a:xfrm>
+            <a:off x="2543549" y="3528836"/>
+            <a:ext cx="6083617" cy="2177329"/>
+          </a:xfrm>
+          <a:prstGeom prst="rect">
+            <a:avLst/>
+          </a:prstGeom>
+        </p:spPr>
+      </p:pic>
+    </p:spTree>
+    <p:extLst>
+      <p:ext uri="{BB962C8B-B14F-4D97-AF65-F5344CB8AC3E}">
+        <p14:creationId xmlns:p14="http://schemas.microsoft.com/office/powerpoint/2010/main" val="1544690112"/>
+      </p:ext>
+    </p:extLst>
+  </p:cSld>
+  <p:clrMapOvr>
+    <a:masterClrMapping/>
+  </p:clrMapOvr>
+  <mc:AlternateContent xmlns:mc="http://schemas.openxmlformats.org/markup-compatibility/2006" xmlns:p14="http://schemas.microsoft.com/office/powerpoint/2010/main">
+    <mc:Choice Requires="p14">
+      <p:transition p14:dur="250">
+        <p:fade/>
+      </p:transition>
+    </mc:Choice>
+    <mc:Fallback xmlns="">
+      <p:transition>
+        <p:fade/>
+      </p:transition>
+    </mc:Fallback>
+  </mc:AlternateContent>
+</p:sld>
+</file>
+
+<file path=ppt/slides/slide8.xml><?xml version="1.0" encoding="utf-8"?>
+<p:sld xmlns:a="http://schemas.openxmlformats.org/drawingml/2006/main" xmlns:r="http://schemas.openxmlformats.org/officeDocument/2006/relationships" xmlns:p="http://schemas.openxmlformats.org/presentationml/2006/main">
+  <p:cSld>
+    <p:spTree>
+      <p:nvGrpSpPr>
+        <p:cNvPr id="1" name=""/>
+        <p:cNvGrpSpPr/>
+        <p:nvPr/>
+      </p:nvGrpSpPr>
+      <p:grpSpPr>
+        <a:xfrm>
+          <a:off x="0" y="0"/>
+          <a:ext cx="0" cy="0"/>
+          <a:chOff x="0" y="0"/>
+          <a:chExt cx="0" cy="0"/>
+        </a:xfrm>
+      </p:grpSpPr>
+      <p:graphicFrame>
+        <p:nvGraphicFramePr>
+          <p:cNvPr id="6" name="Tableau 5"/>
+          <p:cNvGraphicFramePr>
+            <a:graphicFrameLocks noGrp="1"/>
+          </p:cNvGraphicFramePr>
+          <p:nvPr>
+            <p:extLst>
+              <p:ext uri="{D42A27DB-BD31-4B8C-83A1-F6EECF244321}">
+                <p14:modId xmlns:p14="http://schemas.microsoft.com/office/powerpoint/2010/main" val="2756586258"/>
+              </p:ext>
+            </p:extLst>
+          </p:nvPr>
+        </p:nvGraphicFramePr>
+        <p:xfrm>
+          <a:off x="0" y="0"/>
+          <a:ext cx="1756229" cy="6857999"/>
+        </p:xfrm>
+        <a:graphic>
+          <a:graphicData uri="http://schemas.openxmlformats.org/drawingml/2006/table">
+            <a:tbl>
+              <a:tblPr firstRow="1" bandRow="1">
+                <a:tableStyleId>{0505E3EF-67EA-436B-97B2-0124C06EBD24}</a:tableStyleId>
+              </a:tblPr>
+              <a:tblGrid>
+                <a:gridCol w="1756229">
+                  <a:extLst>
+                    <a:ext uri="{9D8B030D-6E8A-4147-A177-3AD203B41FA5}">
+                      <a16:colId xmlns:a16="http://schemas.microsoft.com/office/drawing/2014/main" val="1719038655"/>
+                    </a:ext>
+                  </a:extLst>
+                </a:gridCol>
+              </a:tblGrid>
+              <a:tr h="1686393">
+                <a:tc>
+                  <a:txBody>
+                    <a:bodyPr/>
+                    <a:lstStyle/>
+                    <a:p>
+                      <a:endParaRPr lang="fr-FR" dirty="0"/>
+                    </a:p>
+                  </a:txBody>
+                  <a:tcPr>
+                    <a:solidFill>
+                      <a:schemeClr val="accent1">
+                        <a:lumMod val="20000"/>
+                        <a:lumOff val="80000"/>
+                      </a:schemeClr>
+                    </a:solidFill>
+                  </a:tcPr>
+                </a:tc>
+                <a:extLst>
+                  <a:ext uri="{0D108BD9-81ED-4DB2-BD59-A6C34878D82A}">
+                    <a16:rowId xmlns:a16="http://schemas.microsoft.com/office/drawing/2014/main" val="1220596282"/>
+                  </a:ext>
+                </a:extLst>
+              </a:tr>
+              <a:tr h="1686393">
+                <a:tc>
+                  <a:txBody>
+                    <a:bodyPr/>
+                    <a:lstStyle/>
+                    <a:p>
+                      <a:pPr algn="ctr"/>
+                      <a:r>
+                        <a:rPr lang="fr-FR" sz="1600" dirty="0">
+                          <a:solidFill>
+                            <a:schemeClr val="bg1"/>
+                          </a:solidFill>
+                          <a:latin typeface="Arial Black" panose="020B0A04020102020204" pitchFamily="34" charset="0"/>
+                        </a:rPr>
+                        <a:t>OBJECTIF DU PROJET</a:t>
+                      </a:r>
+                    </a:p>
+                  </a:txBody>
+                  <a:tcPr>
+                    <a:solidFill>
+                      <a:schemeClr val="bg1">
+                        <a:lumMod val="65000"/>
+                      </a:schemeClr>
+                    </a:solidFill>
+                  </a:tcPr>
+                </a:tc>
+                <a:extLst>
+                  <a:ext uri="{0D108BD9-81ED-4DB2-BD59-A6C34878D82A}">
+                    <a16:rowId xmlns:a16="http://schemas.microsoft.com/office/drawing/2014/main" val="2308382991"/>
+                  </a:ext>
+                </a:extLst>
+              </a:tr>
+              <a:tr h="1686393">
+                <a:tc>
+                  <a:txBody>
+                    <a:bodyPr/>
+                    <a:lstStyle/>
+                    <a:p>
+                      <a:pPr algn="ctr"/>
+                      <a:r>
+                        <a:rPr lang="fr-FR" sz="1600" dirty="0">
+                          <a:solidFill>
+                            <a:schemeClr val="bg1"/>
+                          </a:solidFill>
+                          <a:latin typeface="Arial Black" panose="020B0A04020102020204" pitchFamily="34" charset="0"/>
+                        </a:rPr>
+                        <a:t>REALISATION DU PROJET</a:t>
+                      </a:r>
+                    </a:p>
+                  </a:txBody>
+                  <a:tcPr>
+                    <a:solidFill>
+                      <a:schemeClr val="bg1">
+                        <a:lumMod val="65000"/>
+                      </a:schemeClr>
+                    </a:solidFill>
+                  </a:tcPr>
+                </a:tc>
+                <a:extLst>
+                  <a:ext uri="{0D108BD9-81ED-4DB2-BD59-A6C34878D82A}">
+                    <a16:rowId xmlns:a16="http://schemas.microsoft.com/office/drawing/2014/main" val="794713827"/>
+                  </a:ext>
+                </a:extLst>
+              </a:tr>
+              <a:tr h="1798820">
+                <a:tc>
+                  <a:txBody>
+                    <a:bodyPr/>
+                    <a:lstStyle/>
+                    <a:p>
+                      <a:pPr marL="0" marR="0" lvl="0" indent="0" algn="ctr" defTabSz="457200" rtl="0" eaLnBrk="1" fontAlgn="auto" latinLnBrk="0" hangingPunct="1">
+                        <a:lnSpc>
+                          <a:spcPct val="100000"/>
+                        </a:lnSpc>
+                        <a:spcBef>
+                          <a:spcPts val="0"/>
+                        </a:spcBef>
+                        <a:spcAft>
+                          <a:spcPts val="0"/>
+                        </a:spcAft>
+                        <a:buClrTx/>
+                        <a:buSzTx/>
+                        <a:buFontTx/>
+                        <a:buNone/>
+                        <a:tabLst/>
+                        <a:defRPr/>
+                      </a:pPr>
+                      <a:r>
+                        <a:rPr lang="fr-FR" sz="1600" dirty="0">
+                          <a:solidFill>
+                            <a:schemeClr val="bg1"/>
+                          </a:solidFill>
+                          <a:latin typeface="Arial Black" panose="020B0A04020102020204" pitchFamily="34" charset="0"/>
+                        </a:rPr>
+                        <a:t>CONCLUSION</a:t>
+                      </a:r>
+                    </a:p>
+                    <a:p>
+                      <a:endParaRPr lang="fr-FR" dirty="0"/>
+                    </a:p>
+                  </a:txBody>
+                  <a:tcPr>
+                    <a:solidFill>
+                      <a:srgbClr val="FF0000"/>
+                    </a:solidFill>
+                  </a:tcPr>
+                </a:tc>
+                <a:extLst>
+                  <a:ext uri="{0D108BD9-81ED-4DB2-BD59-A6C34878D82A}">
+                    <a16:rowId xmlns:a16="http://schemas.microsoft.com/office/drawing/2014/main" val="2634199983"/>
+                  </a:ext>
+                </a:extLst>
+              </a:tr>
+            </a:tbl>
+          </a:graphicData>
+        </a:graphic>
+      </p:graphicFrame>
+      <p:sp>
+        <p:nvSpPr>
+          <p:cNvPr id="2" name="Titre 1"/>
+          <p:cNvSpPr>
+            <a:spLocks noGrp="1"/>
+          </p:cNvSpPr>
+          <p:nvPr>
+            <p:ph type="title"/>
+          </p:nvPr>
+        </p:nvSpPr>
+        <p:spPr>
+          <a:xfrm>
+            <a:off x="1756229" y="2615216"/>
+            <a:ext cx="8193314" cy="2126222"/>
+          </a:xfrm>
+        </p:spPr>
+        <p:txBody>
+          <a:bodyPr>
+            <a:noAutofit/>
+          </a:bodyPr>
+          <a:lstStyle/>
+          <a:p>
+            <a:pPr algn="ctr"/>
+            <a:r>
+              <a:rPr lang="fr-FR" sz="7200" dirty="0">
+                <a:latin typeface="Arial Black" panose="020B0A04020102020204" pitchFamily="34" charset="0"/>
+              </a:rPr>
+              <a:t>CONCLUSION</a:t>
+            </a:r>
+          </a:p>
+        </p:txBody>
+      </p:sp>
+      <p:pic>
+        <p:nvPicPr>
+          <p:cNvPr id="1028" name="Picture 4" descr="Afficher l'image d'origine"/>
+          <p:cNvPicPr>
+            <a:picLocks noChangeAspect="1" noChangeArrowheads="1"/>
+          </p:cNvPicPr>
+          <p:nvPr/>
+        </p:nvPicPr>
+        <p:blipFill rotWithShape="1">
+          <a:blip r:embed="rId2">
+            <a:clrChange>
+              <a:clrFrom>
+                <a:srgbClr val="FFFFFF"/>
+              </a:clrFrom>
+              <a:clrTo>
+                <a:srgbClr val="FFFFFF">
+                  <a:alpha val="0"/>
+                </a:srgbClr>
+              </a:clrTo>
+            </a:clrChange>
+            <a:extLst>
+              <a:ext uri="{28A0092B-C50C-407E-A947-70E740481C1C}">
+                <a14:useLocalDpi xmlns:a14="http://schemas.microsoft.com/office/drawing/2010/main" val="0"/>
+              </a:ext>
+            </a:extLst>
+          </a:blip>
+          <a:srcRect l="1" t="71" r="-2134" b="21553"/>
+          <a:stretch/>
+        </p:blipFill>
+        <p:spPr bwMode="auto">
+          <a:xfrm>
+            <a:off x="-90713" y="49780"/>
+            <a:ext cx="1937656" cy="740229"/>
+          </a:xfrm>
+          <a:prstGeom prst="rect">
+            <a:avLst/>
+          </a:prstGeom>
+          <a:noFill/>
+          <a:ln>
+            <a:noFill/>
+          </a:ln>
+        </p:spPr>
+      </p:pic>
+    </p:spTree>
+    <p:extLst>
+      <p:ext uri="{BB962C8B-B14F-4D97-AF65-F5344CB8AC3E}">
+        <p14:creationId xmlns:p14="http://schemas.microsoft.com/office/powerpoint/2010/main" val="953815851"/>
+      </p:ext>
+    </p:extLst>
+  </p:cSld>
+  <p:clrMapOvr>
+    <a:masterClrMapping/>
+  </p:clrMapOvr>
+  <mc:AlternateContent xmlns:mc="http://schemas.openxmlformats.org/markup-compatibility/2006" xmlns:p14="http://schemas.microsoft.com/office/powerpoint/2010/main">
+    <mc:Choice Requires="p14">
+      <p:transition p14:dur="250">
+        <p:fade/>
+      </p:transition>
+    </mc:Choice>
+    <mc:Fallback xmlns="">
+      <p:transition>
+        <p:fade/>
+      </p:transition>
+    </mc:Fallback>
+  </mc:AlternateContent>
+</p:sld>
+</file>
+
+<file path=ppt/slides/slide9.xml><?xml version="1.0" encoding="utf-8"?>
+<p:sld xmlns:a="http://schemas.openxmlformats.org/drawingml/2006/main" xmlns:r="http://schemas.openxmlformats.org/officeDocument/2006/relationships" xmlns:p="http://schemas.openxmlformats.org/presentationml/2006/main">
+  <p:cSld>
+    <p:spTree>
+      <p:nvGrpSpPr>
+        <p:cNvPr id="1" name=""/>
+        <p:cNvGrpSpPr/>
+        <p:nvPr/>
+      </p:nvGrpSpPr>
+      <p:grpSpPr>
+        <a:xfrm>
+          <a:off x="0" y="0"/>
+          <a:ext cx="0" cy="0"/>
+          <a:chOff x="0" y="0"/>
+          <a:chExt cx="0" cy="0"/>
+        </a:xfrm>
+      </p:grpSpPr>
+      <p:graphicFrame>
+        <p:nvGraphicFramePr>
+          <p:cNvPr id="6" name="Tableau 5"/>
+          <p:cNvGraphicFramePr>
+            <a:graphicFrameLocks noGrp="1"/>
+          </p:cNvGraphicFramePr>
+          <p:nvPr>
+            <p:extLst>
+              <p:ext uri="{D42A27DB-BD31-4B8C-83A1-F6EECF244321}">
+                <p14:modId xmlns:p14="http://schemas.microsoft.com/office/powerpoint/2010/main" val="1553778391"/>
+              </p:ext>
+            </p:extLst>
+          </p:nvPr>
+        </p:nvGraphicFramePr>
+        <p:xfrm>
+          <a:off x="0" y="0"/>
+          <a:ext cx="1756229" cy="6857999"/>
+        </p:xfrm>
+        <a:graphic>
+          <a:graphicData uri="http://schemas.openxmlformats.org/drawingml/2006/table">
+            <a:tbl>
+              <a:tblPr firstRow="1" bandRow="1">
+                <a:tableStyleId>{0505E3EF-67EA-436B-97B2-0124C06EBD24}</a:tableStyleId>
+              </a:tblPr>
+              <a:tblGrid>
+                <a:gridCol w="1756229">
+                  <a:extLst>
+                    <a:ext uri="{9D8B030D-6E8A-4147-A177-3AD203B41FA5}">
+                      <a16:colId xmlns:a16="http://schemas.microsoft.com/office/drawing/2014/main" val="1719038655"/>
+                    </a:ext>
+                  </a:extLst>
+                </a:gridCol>
+              </a:tblGrid>
+              <a:tr h="1686393">
+                <a:tc>
+                  <a:txBody>
+                    <a:bodyPr/>
+                    <a:lstStyle/>
+                    <a:p>
+                      <a:endParaRPr lang="fr-FR" dirty="0"/>
+                    </a:p>
+                  </a:txBody>
+                  <a:tcPr>
+                    <a:solidFill>
+                      <a:schemeClr val="accent1">
+                        <a:lumMod val="20000"/>
+                        <a:lumOff val="80000"/>
+                      </a:schemeClr>
+                    </a:solidFill>
+                  </a:tcPr>
+                </a:tc>
+                <a:extLst>
+                  <a:ext uri="{0D108BD9-81ED-4DB2-BD59-A6C34878D82A}">
+                    <a16:rowId xmlns:a16="http://schemas.microsoft.com/office/drawing/2014/main" val="1220596282"/>
+                  </a:ext>
+                </a:extLst>
+              </a:tr>
+              <a:tr h="1686393">
+                <a:tc>
+                  <a:txBody>
+                    <a:bodyPr/>
+                    <a:lstStyle/>
+                    <a:p>
+                      <a:pPr algn="ctr"/>
+                      <a:r>
+                        <a:rPr lang="fr-FR" sz="1600" dirty="0">
+                          <a:solidFill>
+                            <a:schemeClr val="bg1"/>
+                          </a:solidFill>
+                          <a:latin typeface="Arial Black" panose="020B0A04020102020204" pitchFamily="34" charset="0"/>
+                        </a:rPr>
+                        <a:t>OBJECTIF DU PROJET</a:t>
+                      </a:r>
+                    </a:p>
+                  </a:txBody>
+                  <a:tcPr>
+                    <a:solidFill>
+                      <a:schemeClr val="bg1">
+                        <a:lumMod val="65000"/>
+                      </a:schemeClr>
+                    </a:solidFill>
+                  </a:tcPr>
+                </a:tc>
+                <a:extLst>
+                  <a:ext uri="{0D108BD9-81ED-4DB2-BD59-A6C34878D82A}">
+                    <a16:rowId xmlns:a16="http://schemas.microsoft.com/office/drawing/2014/main" val="2308382991"/>
+                  </a:ext>
+                </a:extLst>
+              </a:tr>
+              <a:tr h="1686393">
+                <a:tc>
+                  <a:txBody>
+                    <a:bodyPr/>
+                    <a:lstStyle/>
+                    <a:p>
+                      <a:pPr algn="ctr"/>
+                      <a:r>
+                        <a:rPr lang="fr-FR" sz="1600" dirty="0">
+                          <a:solidFill>
+                            <a:schemeClr val="bg1"/>
+                          </a:solidFill>
+                          <a:latin typeface="Arial Black" panose="020B0A04020102020204" pitchFamily="34" charset="0"/>
+                        </a:rPr>
+                        <a:t>REALISATION DU PROJET</a:t>
+                      </a:r>
+                    </a:p>
+                  </a:txBody>
+                  <a:tcPr>
+                    <a:solidFill>
+                      <a:schemeClr val="bg1">
+                        <a:lumMod val="65000"/>
+                      </a:schemeClr>
+                    </a:solidFill>
+                  </a:tcPr>
+                </a:tc>
+                <a:extLst>
+                  <a:ext uri="{0D108BD9-81ED-4DB2-BD59-A6C34878D82A}">
+                    <a16:rowId xmlns:a16="http://schemas.microsoft.com/office/drawing/2014/main" val="794713827"/>
+                  </a:ext>
+                </a:extLst>
+              </a:tr>
+              <a:tr h="1798820">
+                <a:tc>
+                  <a:txBody>
+                    <a:bodyPr/>
+                    <a:lstStyle/>
+                    <a:p>
+                      <a:pPr marL="0" marR="0" lvl="0" indent="0" algn="ctr" defTabSz="457200" rtl="0" eaLnBrk="1" fontAlgn="auto" latinLnBrk="0" hangingPunct="1">
+                        <a:lnSpc>
+                          <a:spcPct val="100000"/>
+                        </a:lnSpc>
+                        <a:spcBef>
+                          <a:spcPts val="0"/>
+                        </a:spcBef>
+                        <a:spcAft>
+                          <a:spcPts val="0"/>
+                        </a:spcAft>
+                        <a:buClrTx/>
+                        <a:buSzTx/>
+                        <a:buFontTx/>
+                        <a:buNone/>
+                        <a:tabLst/>
+                        <a:defRPr/>
+                      </a:pPr>
+                      <a:r>
+                        <a:rPr lang="fr-FR" sz="1600" dirty="0">
+                          <a:solidFill>
+                            <a:schemeClr val="bg1"/>
+                          </a:solidFill>
+                          <a:latin typeface="Arial Black" panose="020B0A04020102020204" pitchFamily="34" charset="0"/>
+                        </a:rPr>
+                        <a:t>CONCLUSION</a:t>
+                      </a:r>
+                    </a:p>
+                    <a:p>
+                      <a:endParaRPr lang="fr-FR" dirty="0"/>
+                    </a:p>
+                  </a:txBody>
+                  <a:tcPr>
+                    <a:solidFill>
+                      <a:schemeClr val="bg1">
+                        <a:lumMod val="65000"/>
+                      </a:schemeClr>
+                    </a:solidFill>
+                  </a:tcPr>
+                </a:tc>
+                <a:extLst>
+                  <a:ext uri="{0D108BD9-81ED-4DB2-BD59-A6C34878D82A}">
+                    <a16:rowId xmlns:a16="http://schemas.microsoft.com/office/drawing/2014/main" val="2634199983"/>
+                  </a:ext>
+                </a:extLst>
+              </a:tr>
+            </a:tbl>
+          </a:graphicData>
+        </a:graphic>
+      </p:graphicFrame>
+      <p:sp>
+        <p:nvSpPr>
+          <p:cNvPr id="2" name="Titre 1"/>
+          <p:cNvSpPr>
+            <a:spLocks noGrp="1"/>
+          </p:cNvSpPr>
+          <p:nvPr>
+            <p:ph type="title"/>
+          </p:nvPr>
+        </p:nvSpPr>
+        <p:spPr>
+          <a:xfrm>
+            <a:off x="1756229" y="1697782"/>
+            <a:ext cx="8193314" cy="2126222"/>
+          </a:xfrm>
+        </p:spPr>
+        <p:txBody>
+          <a:bodyPr>
+            <a:noAutofit/>
+          </a:bodyPr>
+          <a:lstStyle/>
+          <a:p>
+            <a:pPr algn="ctr"/>
+            <a:r>
+              <a:rPr lang="fr-FR" sz="7200" dirty="0">
+                <a:latin typeface="Arial Black" panose="020B0A04020102020204" pitchFamily="34" charset="0"/>
+              </a:rPr>
+              <a:t>MERCI DE VOTRE ATTENTION</a:t>
+            </a:r>
+          </a:p>
+        </p:txBody>
+      </p:sp>
+      <p:pic>
+        <p:nvPicPr>
+          <p:cNvPr id="1028" name="Picture 4" descr="Afficher l'image d'origine"/>
+          <p:cNvPicPr>
+            <a:picLocks noChangeAspect="1" noChangeArrowheads="1"/>
+          </p:cNvPicPr>
+          <p:nvPr/>
+        </p:nvPicPr>
+        <p:blipFill rotWithShape="1">
+          <a:blip r:embed="rId2">
+            <a:clrChange>
+              <a:clrFrom>
+                <a:srgbClr val="FFFFFF"/>
+              </a:clrFrom>
+              <a:clrTo>
+                <a:srgbClr val="FFFFFF">
+                  <a:alpha val="0"/>
+                </a:srgbClr>
+              </a:clrTo>
+            </a:clrChange>
+            <a:extLst>
+              <a:ext uri="{28A0092B-C50C-407E-A947-70E740481C1C}">
+                <a14:useLocalDpi xmlns:a14="http://schemas.microsoft.com/office/drawing/2010/main" val="0"/>
+              </a:ext>
+            </a:extLst>
+          </a:blip>
+          <a:srcRect l="1" t="71" r="-2134" b="21553"/>
+          <a:stretch/>
+        </p:blipFill>
+        <p:spPr bwMode="auto">
+          <a:xfrm>
+            <a:off x="-90713" y="49780"/>
+            <a:ext cx="1937656" cy="740229"/>
+          </a:xfrm>
+          <a:prstGeom prst="rect">
+            <a:avLst/>
+          </a:prstGeom>
+          <a:noFill/>
+          <a:ln>
+            <a:noFill/>
+          </a:ln>
+        </p:spPr>
+      </p:pic>
+    </p:spTree>
+    <p:extLst>
+      <p:ext uri="{BB962C8B-B14F-4D97-AF65-F5344CB8AC3E}">
+        <p14:creationId xmlns:p14="http://schemas.microsoft.com/office/powerpoint/2010/main" val="4125076998"/>
+      </p:ext>
+    </p:extLst>
+  </p:cSld>
+  <p:clrMapOvr>
+    <a:masterClrMapping/>
+  </p:clrMapOvr>
+  <mc:AlternateContent xmlns:mc="http://schemas.openxmlformats.org/markup-compatibility/2006" xmlns:p14="http://schemas.microsoft.com/office/powerpoint/2010/main">
+    <mc:Choice Requires="p14">
+      <p:transition p14:dur="250">
+        <p:fade/>
+      </p:transition>
+    </mc:Choice>
+    <mc:Fallback xmlns="">
+      <p:transition>
+        <p:fade/>
+      </p:transition>
+    </mc:Fallback>
+  </mc:AlternateContent>
 </p:sld>
 </file>
 
